--- a/Online Car Rental System presentation v2.pptx
+++ b/Online Car Rental System presentation v2.pptx
@@ -23,6 +23,8 @@
     <p:sldId id="275" r:id="rId17"/>
     <p:sldId id="276" r:id="rId18"/>
     <p:sldId id="274" r:id="rId19"/>
+    <p:sldId id="277" r:id="rId20"/>
+    <p:sldId id="278" r:id="rId21"/>
   </p:sldIdLst>
   <p:sldSz cx="12192000" cy="6858000"/>
   <p:notesSz cx="6858000" cy="9144000"/>
@@ -534,7 +536,7 @@
           <a:p>
             <a:fld id="{D91B805F-FF0F-4BAA-A3A3-E4F945D687F8}" type="datetimeFigureOut">
               <a:rPr lang="en-US" dirty="0"/>
-              <a:t>5/6/2019</a:t>
+              <a:t>05/06/19</a:t>
             </a:fld>
             <a:endParaRPr lang="en-US" dirty="0"/>
           </a:p>
@@ -709,7 +711,7 @@
           <a:p>
             <a:fld id="{780B5C51-60B3-48EF-AA78-DB950F30DBA2}" type="datetimeFigureOut">
               <a:rPr lang="en-US" dirty="0"/>
-              <a:t>5/6/2019</a:t>
+              <a:t>05/06/19</a:t>
             </a:fld>
             <a:endParaRPr lang="en-US" dirty="0"/>
           </a:p>
@@ -884,7 +886,7 @@
           <a:p>
             <a:fld id="{C35D676B-6E73-4E3B-A9B3-4966DB9B52A5}" type="datetimeFigureOut">
               <a:rPr lang="en-US" dirty="0"/>
-              <a:t>5/6/2019</a:t>
+              <a:t>05/06/19</a:t>
             </a:fld>
             <a:endParaRPr lang="en-US" dirty="0"/>
           </a:p>
@@ -1049,7 +1051,7 @@
           <a:p>
             <a:fld id="{2261F3A6-CC5D-4649-8527-DB0C21FDDFD9}" type="datetimeFigureOut">
               <a:rPr lang="en-US" dirty="0"/>
-              <a:t>5/6/2019</a:t>
+              <a:t>05/06/19</a:t>
             </a:fld>
             <a:endParaRPr lang="en-US" dirty="0"/>
           </a:p>
@@ -1369,7 +1371,7 @@
           <a:p>
             <a:fld id="{5B6F927C-B73E-4F9D-ADFE-F6E23BD7CEE8}" type="datetimeFigureOut">
               <a:rPr lang="en-US" dirty="0"/>
-              <a:t>5/6/2019</a:t>
+              <a:t>05/06/19</a:t>
             </a:fld>
             <a:endParaRPr lang="en-US" dirty="0"/>
           </a:p>
@@ -1761,7 +1763,7 @@
           <a:p>
             <a:fld id="{65B1FFFF-984A-4EE5-9BF2-EC9310C878F1}" type="datetimeFigureOut">
               <a:rPr lang="en-US" dirty="0"/>
-              <a:t>5/6/2019</a:t>
+              <a:t>05/06/19</a:t>
             </a:fld>
             <a:endParaRPr lang="en-US" dirty="0"/>
           </a:p>
@@ -2190,7 +2192,7 @@
           <a:p>
             <a:fld id="{703271C1-B42E-4A60-A25F-0185B888604B}" type="datetimeFigureOut">
               <a:rPr lang="en-US" dirty="0"/>
-              <a:t>5/6/2019</a:t>
+              <a:t>05/06/19</a:t>
             </a:fld>
             <a:endParaRPr lang="en-US" dirty="0"/>
           </a:p>
@@ -2303,7 +2305,7 @@
           <a:p>
             <a:fld id="{80416292-3725-4763-8973-4C59F0403D99}" type="datetimeFigureOut">
               <a:rPr lang="en-US" dirty="0"/>
-              <a:t>5/6/2019</a:t>
+              <a:t>05/06/19</a:t>
             </a:fld>
             <a:endParaRPr lang="en-US" dirty="0"/>
           </a:p>
@@ -2393,7 +2395,7 @@
           <a:p>
             <a:fld id="{386996D1-8909-469F-911A-4C12C68BF5D9}" type="datetimeFigureOut">
               <a:rPr lang="en-US" dirty="0"/>
-              <a:t>5/6/2019</a:t>
+              <a:t>05/06/19</a:t>
             </a:fld>
             <a:endParaRPr lang="en-US" dirty="0"/>
           </a:p>
@@ -2738,7 +2740,7 @@
           <a:p>
             <a:fld id="{E16A73BC-5D11-4675-B334-102E1E8C9B50}" type="datetimeFigureOut">
               <a:rPr lang="en-US" dirty="0"/>
-              <a:t>5/6/2019</a:t>
+              <a:t>05/06/19</a:t>
             </a:fld>
             <a:endParaRPr lang="en-US" dirty="0"/>
           </a:p>
@@ -3168,7 +3170,7 @@
           <a:p>
             <a:fld id="{27B8E45F-652B-4E89-8925-000B0AB8FD98}" type="datetimeFigureOut">
               <a:rPr lang="en-US" dirty="0"/>
-              <a:t>5/6/2019</a:t>
+              <a:t>05/06/19</a:t>
             </a:fld>
             <a:endParaRPr lang="en-US" dirty="0"/>
           </a:p>
@@ -3446,7 +3448,7 @@
           <a:p>
             <a:fld id="{C4A3462A-2D5B-48AF-A3D4-EF8A90A50A80}" type="datetimeFigureOut">
               <a:rPr lang="en-US" dirty="0"/>
-              <a:t>5/6/2019</a:t>
+              <a:t>05/06/19</a:t>
             </a:fld>
             <a:endParaRPr lang="en-US" dirty="0"/>
           </a:p>
@@ -4273,7 +4275,7 @@
         </p:nvGraphicFramePr>
         <p:xfrm>
           <a:off x="1069848" y="2820097"/>
-          <a:ext cx="10433936" cy="862236"/>
+          <a:ext cx="10433936" cy="877412"/>
         </p:xfrm>
         <a:graphic>
           <a:graphicData uri="http://schemas.openxmlformats.org/drawingml/2006/table">
@@ -4285,14 +4287,14 @@
                 <a:gridCol w="5216968">
                   <a:extLst>
                     <a:ext uri="{9D8B030D-6E8A-4147-A177-3AD203B41FA5}">
-                      <a16:colId xmlns:a16="http://schemas.microsoft.com/office/drawing/2014/main" val="20000"/>
+                      <a16:colId xmlns:a16="http://schemas.microsoft.com/office/drawing/2014/main" xmlns="" val="20000"/>
                     </a:ext>
                   </a:extLst>
                 </a:gridCol>
                 <a:gridCol w="5216968">
                   <a:extLst>
                     <a:ext uri="{9D8B030D-6E8A-4147-A177-3AD203B41FA5}">
-                      <a16:colId xmlns:a16="http://schemas.microsoft.com/office/drawing/2014/main" val="20001"/>
+                      <a16:colId xmlns:a16="http://schemas.microsoft.com/office/drawing/2014/main" xmlns="" val="20001"/>
                     </a:ext>
                   </a:extLst>
                 </a:gridCol>
@@ -4370,7 +4372,7 @@
                 </a:tc>
                 <a:extLst>
                   <a:ext uri="{0D108BD9-81ED-4DB2-BD59-A6C34878D82A}">
-                    <a16:rowId xmlns:a16="http://schemas.microsoft.com/office/drawing/2014/main" val="10000"/>
+                    <a16:rowId xmlns:a16="http://schemas.microsoft.com/office/drawing/2014/main" xmlns="" val="10000"/>
                   </a:ext>
                 </a:extLst>
               </a:tr>
@@ -4459,7 +4461,7 @@
                 </a:tc>
                 <a:extLst>
                   <a:ext uri="{0D108BD9-81ED-4DB2-BD59-A6C34878D82A}">
-                    <a16:rowId xmlns:a16="http://schemas.microsoft.com/office/drawing/2014/main" val="10001"/>
+                    <a16:rowId xmlns:a16="http://schemas.microsoft.com/office/drawing/2014/main" xmlns="" val="10001"/>
                   </a:ext>
                 </a:extLst>
               </a:tr>
@@ -4679,7 +4681,7 @@
         </p:nvGraphicFramePr>
         <p:xfrm>
           <a:off x="735124" y="2689578"/>
-          <a:ext cx="10624107" cy="2109417"/>
+          <a:ext cx="10624107" cy="2122625"/>
         </p:xfrm>
         <a:graphic>
           <a:graphicData uri="http://schemas.openxmlformats.org/drawingml/2006/table">
@@ -4691,14 +4693,14 @@
                 <a:gridCol w="3365629">
                   <a:extLst>
                     <a:ext uri="{9D8B030D-6E8A-4147-A177-3AD203B41FA5}">
-                      <a16:colId xmlns:a16="http://schemas.microsoft.com/office/drawing/2014/main" val="20000"/>
+                      <a16:colId xmlns:a16="http://schemas.microsoft.com/office/drawing/2014/main" xmlns="" val="20000"/>
                     </a:ext>
                   </a:extLst>
                 </a:gridCol>
                 <a:gridCol w="7258478">
                   <a:extLst>
                     <a:ext uri="{9D8B030D-6E8A-4147-A177-3AD203B41FA5}">
-                      <a16:colId xmlns:a16="http://schemas.microsoft.com/office/drawing/2014/main" val="20001"/>
+                      <a16:colId xmlns:a16="http://schemas.microsoft.com/office/drawing/2014/main" xmlns="" val="20001"/>
                     </a:ext>
                   </a:extLst>
                 </a:gridCol>
@@ -4776,7 +4778,7 @@
                 </a:tc>
                 <a:extLst>
                   <a:ext uri="{0D108BD9-81ED-4DB2-BD59-A6C34878D82A}">
-                    <a16:rowId xmlns:a16="http://schemas.microsoft.com/office/drawing/2014/main" val="10000"/>
+                    <a16:rowId xmlns:a16="http://schemas.microsoft.com/office/drawing/2014/main" xmlns="" val="10000"/>
                   </a:ext>
                 </a:extLst>
               </a:tr>
@@ -4927,7 +4929,7 @@
                 </a:tc>
                 <a:extLst>
                   <a:ext uri="{0D108BD9-81ED-4DB2-BD59-A6C34878D82A}">
-                    <a16:rowId xmlns:a16="http://schemas.microsoft.com/office/drawing/2014/main" val="10001"/>
+                    <a16:rowId xmlns:a16="http://schemas.microsoft.com/office/drawing/2014/main" xmlns="" val="10001"/>
                   </a:ext>
                 </a:extLst>
               </a:tr>
@@ -5108,7 +5110,7 @@
                 </a:tc>
                 <a:extLst>
                   <a:ext uri="{0D108BD9-81ED-4DB2-BD59-A6C34878D82A}">
-                    <a16:rowId xmlns:a16="http://schemas.microsoft.com/office/drawing/2014/main" val="10002"/>
+                    <a16:rowId xmlns:a16="http://schemas.microsoft.com/office/drawing/2014/main" xmlns="" val="10002"/>
                   </a:ext>
                 </a:extLst>
               </a:tr>
@@ -5281,7 +5283,7 @@
         </p:nvGraphicFramePr>
         <p:xfrm>
           <a:off x="1100290" y="4014564"/>
-          <a:ext cx="10433936" cy="2266665"/>
+          <a:ext cx="10433936" cy="2292573"/>
         </p:xfrm>
         <a:graphic>
           <a:graphicData uri="http://schemas.openxmlformats.org/drawingml/2006/table">
@@ -5293,14 +5295,14 @@
                 <a:gridCol w="3450929">
                   <a:extLst>
                     <a:ext uri="{9D8B030D-6E8A-4147-A177-3AD203B41FA5}">
-                      <a16:colId xmlns:a16="http://schemas.microsoft.com/office/drawing/2014/main" val="20000"/>
+                      <a16:colId xmlns:a16="http://schemas.microsoft.com/office/drawing/2014/main" xmlns="" val="20000"/>
                     </a:ext>
                   </a:extLst>
                 </a:gridCol>
                 <a:gridCol w="6983007">
                   <a:extLst>
                     <a:ext uri="{9D8B030D-6E8A-4147-A177-3AD203B41FA5}">
-                      <a16:colId xmlns:a16="http://schemas.microsoft.com/office/drawing/2014/main" val="20001"/>
+                      <a16:colId xmlns:a16="http://schemas.microsoft.com/office/drawing/2014/main" xmlns="" val="20001"/>
                     </a:ext>
                   </a:extLst>
                 </a:gridCol>
@@ -5380,7 +5382,7 @@
                 </a:tc>
                 <a:extLst>
                   <a:ext uri="{0D108BD9-81ED-4DB2-BD59-A6C34878D82A}">
-                    <a16:rowId xmlns:a16="http://schemas.microsoft.com/office/drawing/2014/main" val="10000"/>
+                    <a16:rowId xmlns:a16="http://schemas.microsoft.com/office/drawing/2014/main" xmlns="" val="10000"/>
                   </a:ext>
                 </a:extLst>
               </a:tr>
@@ -5573,7 +5575,7 @@
                 </a:tc>
                 <a:extLst>
                   <a:ext uri="{0D108BD9-81ED-4DB2-BD59-A6C34878D82A}">
-                    <a16:rowId xmlns:a16="http://schemas.microsoft.com/office/drawing/2014/main" val="10001"/>
+                    <a16:rowId xmlns:a16="http://schemas.microsoft.com/office/drawing/2014/main" xmlns="" val="10001"/>
                   </a:ext>
                 </a:extLst>
               </a:tr>
@@ -5754,7 +5756,7 @@
                 </a:tc>
                 <a:extLst>
                   <a:ext uri="{0D108BD9-81ED-4DB2-BD59-A6C34878D82A}">
-                    <a16:rowId xmlns:a16="http://schemas.microsoft.com/office/drawing/2014/main" val="10002"/>
+                    <a16:rowId xmlns:a16="http://schemas.microsoft.com/office/drawing/2014/main" xmlns="" val="10002"/>
                   </a:ext>
                 </a:extLst>
               </a:tr>
@@ -5910,7 +5912,7 @@
           <p:cNvPr id="2" name="Title 1">
             <a:extLst>
               <a:ext uri="{FF2B5EF4-FFF2-40B4-BE49-F238E27FC236}">
-                <a16:creationId xmlns:a16="http://schemas.microsoft.com/office/drawing/2014/main" id="{4EEC2E0C-F73F-4C5B-83E3-0A2A48AF01ED}"/>
+                <a16:creationId xmlns:a16="http://schemas.microsoft.com/office/drawing/2014/main" xmlns="" id="{4EEC2E0C-F73F-4C5B-83E3-0A2A48AF01ED}"/>
               </a:ext>
             </a:extLst>
           </p:cNvPr>
@@ -5945,7 +5947,7 @@
           <p:cNvPr id="5" name="Content Placeholder 4" descr="A close up of a map&#10;&#10;Description automatically generated">
             <a:extLst>
               <a:ext uri="{FF2B5EF4-FFF2-40B4-BE49-F238E27FC236}">
-                <a16:creationId xmlns:a16="http://schemas.microsoft.com/office/drawing/2014/main" id="{6CA20D7A-971B-4706-975C-390C752AF709}"/>
+                <a16:creationId xmlns:a16="http://schemas.microsoft.com/office/drawing/2014/main" xmlns="" id="{6CA20D7A-971B-4706-975C-390C752AF709}"/>
               </a:ext>
             </a:extLst>
           </p:cNvPr>
@@ -6004,7 +6006,7 @@
           <p:cNvPr id="2" name="Title 1">
             <a:extLst>
               <a:ext uri="{FF2B5EF4-FFF2-40B4-BE49-F238E27FC236}">
-                <a16:creationId xmlns:a16="http://schemas.microsoft.com/office/drawing/2014/main" id="{D01D6F5C-1424-4873-A38F-4620227219EE}"/>
+                <a16:creationId xmlns:a16="http://schemas.microsoft.com/office/drawing/2014/main" xmlns="" id="{D01D6F5C-1424-4873-A38F-4620227219EE}"/>
               </a:ext>
             </a:extLst>
           </p:cNvPr>
@@ -6055,7 +6057,7 @@
           <p:cNvPr id="5" name="Content Placeholder 4" descr="A close up of a map&#10;&#10;Description automatically generated">
             <a:extLst>
               <a:ext uri="{FF2B5EF4-FFF2-40B4-BE49-F238E27FC236}">
-                <a16:creationId xmlns:a16="http://schemas.microsoft.com/office/drawing/2014/main" id="{C98D7A44-4395-4509-B3BB-709EAE79D391}"/>
+                <a16:creationId xmlns:a16="http://schemas.microsoft.com/office/drawing/2014/main" xmlns="" id="{C98D7A44-4395-4509-B3BB-709EAE79D391}"/>
               </a:ext>
             </a:extLst>
           </p:cNvPr>
@@ -6114,7 +6116,7 @@
           <p:cNvPr id="2" name="Title 1">
             <a:extLst>
               <a:ext uri="{FF2B5EF4-FFF2-40B4-BE49-F238E27FC236}">
-                <a16:creationId xmlns:a16="http://schemas.microsoft.com/office/drawing/2014/main" id="{EE6EC4DB-CC0B-4B98-97AB-786A01B52965}"/>
+                <a16:creationId xmlns:a16="http://schemas.microsoft.com/office/drawing/2014/main" xmlns="" id="{EE6EC4DB-CC0B-4B98-97AB-786A01B52965}"/>
               </a:ext>
             </a:extLst>
           </p:cNvPr>
@@ -6157,7 +6159,7 @@
           <p:cNvPr id="5" name="Content Placeholder 4" descr="A close up of a map&#10;&#10;Description automatically generated">
             <a:extLst>
               <a:ext uri="{FF2B5EF4-FFF2-40B4-BE49-F238E27FC236}">
-                <a16:creationId xmlns:a16="http://schemas.microsoft.com/office/drawing/2014/main" id="{9BE09307-68BB-40A1-B103-E3789CF52762}"/>
+                <a16:creationId xmlns:a16="http://schemas.microsoft.com/office/drawing/2014/main" xmlns="" id="{9BE09307-68BB-40A1-B103-E3789CF52762}"/>
               </a:ext>
             </a:extLst>
           </p:cNvPr>
@@ -6216,7 +6218,7 @@
           <p:cNvPr id="2" name="Title 1">
             <a:extLst>
               <a:ext uri="{FF2B5EF4-FFF2-40B4-BE49-F238E27FC236}">
-                <a16:creationId xmlns:a16="http://schemas.microsoft.com/office/drawing/2014/main" id="{14A0F59C-87AE-479C-ACF9-6205AA56A33D}"/>
+                <a16:creationId xmlns:a16="http://schemas.microsoft.com/office/drawing/2014/main" xmlns="" id="{14A0F59C-87AE-479C-ACF9-6205AA56A33D}"/>
               </a:ext>
             </a:extLst>
           </p:cNvPr>
@@ -6259,7 +6261,7 @@
           <p:cNvPr id="5" name="Content Placeholder 4" descr="A close up of a map&#10;&#10;Description automatically generated">
             <a:extLst>
               <a:ext uri="{FF2B5EF4-FFF2-40B4-BE49-F238E27FC236}">
-                <a16:creationId xmlns:a16="http://schemas.microsoft.com/office/drawing/2014/main" id="{E024F4B3-469D-4917-9F60-A00C69A4F24D}"/>
+                <a16:creationId xmlns:a16="http://schemas.microsoft.com/office/drawing/2014/main" xmlns="" id="{E024F4B3-469D-4917-9F60-A00C69A4F24D}"/>
               </a:ext>
             </a:extLst>
           </p:cNvPr>
@@ -6318,7 +6320,7 @@
           <p:cNvPr id="2" name="Title 1">
             <a:extLst>
               <a:ext uri="{FF2B5EF4-FFF2-40B4-BE49-F238E27FC236}">
-                <a16:creationId xmlns:a16="http://schemas.microsoft.com/office/drawing/2014/main" id="{4BDEF6FA-4770-4FC6-A635-06878EB741C1}"/>
+                <a16:creationId xmlns:a16="http://schemas.microsoft.com/office/drawing/2014/main" xmlns="" id="{4BDEF6FA-4770-4FC6-A635-06878EB741C1}"/>
               </a:ext>
             </a:extLst>
           </p:cNvPr>
@@ -6361,7 +6363,7 @@
           <p:cNvPr id="5" name="Content Placeholder 4" descr="A close up of a map&#10;&#10;Description automatically generated">
             <a:extLst>
               <a:ext uri="{FF2B5EF4-FFF2-40B4-BE49-F238E27FC236}">
-                <a16:creationId xmlns:a16="http://schemas.microsoft.com/office/drawing/2014/main" id="{E4639449-7866-466E-B5DA-CA19656C4D7A}"/>
+                <a16:creationId xmlns:a16="http://schemas.microsoft.com/office/drawing/2014/main" xmlns="" id="{E4639449-7866-466E-B5DA-CA19656C4D7A}"/>
               </a:ext>
             </a:extLst>
           </p:cNvPr>
@@ -6389,6 +6391,99 @@
     <p:extLst>
       <p:ext uri="{BB962C8B-B14F-4D97-AF65-F5344CB8AC3E}">
         <p14:creationId xmlns:p14="http://schemas.microsoft.com/office/powerpoint/2010/main" val="771449313"/>
+      </p:ext>
+    </p:extLst>
+  </p:cSld>
+  <p:clrMapOvr>
+    <a:masterClrMapping/>
+  </p:clrMapOvr>
+</p:sld>
+</file>
+
+<file path=ppt/slides/slide19.xml><?xml version="1.0" encoding="utf-8"?>
+<p:sld xmlns:a="http://schemas.openxmlformats.org/drawingml/2006/main" xmlns:r="http://schemas.openxmlformats.org/officeDocument/2006/relationships" xmlns:p="http://schemas.openxmlformats.org/presentationml/2006/main">
+  <p:cSld>
+    <p:spTree>
+      <p:nvGrpSpPr>
+        <p:cNvPr id="1" name=""/>
+        <p:cNvGrpSpPr/>
+        <p:nvPr/>
+      </p:nvGrpSpPr>
+      <p:grpSpPr>
+        <a:xfrm>
+          <a:off x="0" y="0"/>
+          <a:ext cx="0" cy="0"/>
+          <a:chOff x="0" y="0"/>
+          <a:chExt cx="0" cy="0"/>
+        </a:xfrm>
+      </p:grpSpPr>
+      <p:sp>
+        <p:nvSpPr>
+          <p:cNvPr id="2" name="Title 1"/>
+          <p:cNvSpPr>
+            <a:spLocks noGrp="1"/>
+          </p:cNvSpPr>
+          <p:nvPr>
+            <p:ph type="title"/>
+          </p:nvPr>
+        </p:nvSpPr>
+        <p:spPr>
+          <a:xfrm>
+            <a:off x="1069848" y="484632"/>
+            <a:ext cx="10058400" cy="734568"/>
+          </a:xfrm>
+        </p:spPr>
+        <p:txBody>
+          <a:bodyPr>
+            <a:normAutofit/>
+          </a:bodyPr>
+          <a:lstStyle/>
+          <a:p>
+            <a:r>
+              <a:rPr lang="en-US" sz="2800" dirty="0" smtClean="0"/>
+              <a:t>Collaboration Diagram  - </a:t>
+            </a:r>
+            <a:r>
+              <a:rPr lang="en-US" sz="2800" dirty="0" err="1" smtClean="0"/>
+              <a:t>addCar</a:t>
+            </a:r>
+            <a:endParaRPr lang="en-US" sz="2800" dirty="0"/>
+          </a:p>
+        </p:txBody>
+      </p:sp>
+      <p:pic>
+        <p:nvPicPr>
+          <p:cNvPr id="4" name="Content Placeholder 3"/>
+          <p:cNvPicPr>
+            <a:picLocks noGrp="1" noChangeAspect="1"/>
+          </p:cNvPicPr>
+          <p:nvPr>
+            <p:ph idx="1"/>
+          </p:nvPr>
+        </p:nvPicPr>
+        <p:blipFill>
+          <a:blip r:embed="rId2">
+            <a:extLst>
+              <a:ext uri="{28A0092B-C50C-407E-A947-70E740481C1C}">
+                <a14:useLocalDpi xmlns:a14="http://schemas.microsoft.com/office/drawing/2010/main" val="0"/>
+              </a:ext>
+            </a:extLst>
+          </a:blip>
+          <a:stretch>
+            <a:fillRect/>
+          </a:stretch>
+        </p:blipFill>
+        <p:spPr>
+          <a:xfrm>
+            <a:off x="1171130" y="1396682"/>
+            <a:ext cx="7515225" cy="4138486"/>
+          </a:xfrm>
+        </p:spPr>
+      </p:pic>
+    </p:spTree>
+    <p:extLst>
+      <p:ext uri="{BB962C8B-B14F-4D97-AF65-F5344CB8AC3E}">
+        <p14:creationId xmlns:p14="http://schemas.microsoft.com/office/powerpoint/2010/main" val="1922304377"/>
       </p:ext>
     </p:extLst>
   </p:cSld>
@@ -6529,6 +6624,87 @@
     <p:extLst>
       <p:ext uri="{BB962C8B-B14F-4D97-AF65-F5344CB8AC3E}">
         <p14:creationId xmlns:p14="http://schemas.microsoft.com/office/powerpoint/2010/main" val="2616638277"/>
+      </p:ext>
+    </p:extLst>
+  </p:cSld>
+  <p:clrMapOvr>
+    <a:masterClrMapping/>
+  </p:clrMapOvr>
+</p:sld>
+</file>
+
+<file path=ppt/slides/slide20.xml><?xml version="1.0" encoding="utf-8"?>
+<p:sld xmlns:a="http://schemas.openxmlformats.org/drawingml/2006/main" xmlns:r="http://schemas.openxmlformats.org/officeDocument/2006/relationships" xmlns:p="http://schemas.openxmlformats.org/presentationml/2006/main">
+  <p:cSld>
+    <p:spTree>
+      <p:nvGrpSpPr>
+        <p:cNvPr id="1" name=""/>
+        <p:cNvGrpSpPr/>
+        <p:nvPr/>
+      </p:nvGrpSpPr>
+      <p:grpSpPr>
+        <a:xfrm>
+          <a:off x="0" y="0"/>
+          <a:ext cx="0" cy="0"/>
+          <a:chOff x="0" y="0"/>
+          <a:chExt cx="0" cy="0"/>
+        </a:xfrm>
+      </p:grpSpPr>
+      <p:sp>
+        <p:nvSpPr>
+          <p:cNvPr id="2" name="Title 1"/>
+          <p:cNvSpPr>
+            <a:spLocks noGrp="1"/>
+          </p:cNvSpPr>
+          <p:nvPr>
+            <p:ph type="title"/>
+          </p:nvPr>
+        </p:nvSpPr>
+        <p:spPr/>
+        <p:txBody>
+          <a:bodyPr/>
+          <a:lstStyle/>
+          <a:p>
+            <a:r>
+              <a:rPr lang="en-US" dirty="0" smtClean="0"/>
+              <a:t>VOPC </a:t>
+            </a:r>
+            <a:endParaRPr lang="en-US" dirty="0"/>
+          </a:p>
+        </p:txBody>
+      </p:sp>
+      <p:pic>
+        <p:nvPicPr>
+          <p:cNvPr id="4" name="Content Placeholder 3"/>
+          <p:cNvPicPr>
+            <a:picLocks noGrp="1" noChangeAspect="1"/>
+          </p:cNvPicPr>
+          <p:nvPr>
+            <p:ph idx="1"/>
+          </p:nvPr>
+        </p:nvPicPr>
+        <p:blipFill rotWithShape="1">
+          <a:blip r:embed="rId2">
+            <a:extLst>
+              <a:ext uri="{28A0092B-C50C-407E-A947-70E740481C1C}">
+                <a14:useLocalDpi xmlns:a14="http://schemas.microsoft.com/office/drawing/2010/main" val="0"/>
+              </a:ext>
+            </a:extLst>
+          </a:blip>
+          <a:srcRect l="22721" t="9923" r="1234"/>
+          <a:stretch/>
+        </p:blipFill>
+        <p:spPr>
+          <a:xfrm>
+            <a:off x="1377697" y="1682495"/>
+            <a:ext cx="5888736" cy="3652203"/>
+          </a:xfrm>
+        </p:spPr>
+      </p:pic>
+    </p:spTree>
+    <p:extLst>
+      <p:ext uri="{BB962C8B-B14F-4D97-AF65-F5344CB8AC3E}">
+        <p14:creationId xmlns:p14="http://schemas.microsoft.com/office/powerpoint/2010/main" val="3672764299"/>
       </p:ext>
     </p:extLst>
   </p:cSld>
@@ -6653,6 +6829,10 @@
               <a:rPr lang="en-US" sz="4000" dirty="0"/>
               <a:t>I. Vision Document</a:t>
             </a:r>
+            <a:r>
+              <a:rPr lang="en-US" dirty="0"/>
+              <a:t/>
+            </a:r>
             <a:br>
               <a:rPr lang="en-US" dirty="0"/>
             </a:br>
@@ -6693,14 +6873,14 @@
                 <a:gridCol w="2724972">
                   <a:extLst>
                     <a:ext uri="{9D8B030D-6E8A-4147-A177-3AD203B41FA5}">
-                      <a16:colId xmlns:a16="http://schemas.microsoft.com/office/drawing/2014/main" val="20000"/>
+                      <a16:colId xmlns:a16="http://schemas.microsoft.com/office/drawing/2014/main" xmlns="" val="20000"/>
                     </a:ext>
                   </a:extLst>
                 </a:gridCol>
                 <a:gridCol w="7055636">
                   <a:extLst>
                     <a:ext uri="{9D8B030D-6E8A-4147-A177-3AD203B41FA5}">
-                      <a16:colId xmlns:a16="http://schemas.microsoft.com/office/drawing/2014/main" val="20001"/>
+                      <a16:colId xmlns:a16="http://schemas.microsoft.com/office/drawing/2014/main" xmlns="" val="20001"/>
                     </a:ext>
                   </a:extLst>
                 </a:gridCol>
@@ -6772,7 +6952,7 @@
                 </a:tc>
                 <a:extLst>
                   <a:ext uri="{0D108BD9-81ED-4DB2-BD59-A6C34878D82A}">
-                    <a16:rowId xmlns:a16="http://schemas.microsoft.com/office/drawing/2014/main" val="10000"/>
+                    <a16:rowId xmlns:a16="http://schemas.microsoft.com/office/drawing/2014/main" xmlns="" val="10000"/>
                   </a:ext>
                 </a:extLst>
               </a:tr>
@@ -6843,7 +7023,7 @@
                 </a:tc>
                 <a:extLst>
                   <a:ext uri="{0D108BD9-81ED-4DB2-BD59-A6C34878D82A}">
-                    <a16:rowId xmlns:a16="http://schemas.microsoft.com/office/drawing/2014/main" val="10001"/>
+                    <a16:rowId xmlns:a16="http://schemas.microsoft.com/office/drawing/2014/main" xmlns="" val="10001"/>
                   </a:ext>
                 </a:extLst>
               </a:tr>
@@ -6914,7 +7094,7 @@
                 </a:tc>
                 <a:extLst>
                   <a:ext uri="{0D108BD9-81ED-4DB2-BD59-A6C34878D82A}">
-                    <a16:rowId xmlns:a16="http://schemas.microsoft.com/office/drawing/2014/main" val="10002"/>
+                    <a16:rowId xmlns:a16="http://schemas.microsoft.com/office/drawing/2014/main" xmlns="" val="10002"/>
                   </a:ext>
                 </a:extLst>
               </a:tr>
@@ -7007,7 +7187,7 @@
                 </a:tc>
                 <a:extLst>
                   <a:ext uri="{0D108BD9-81ED-4DB2-BD59-A6C34878D82A}">
-                    <a16:rowId xmlns:a16="http://schemas.microsoft.com/office/drawing/2014/main" val="10003"/>
+                    <a16:rowId xmlns:a16="http://schemas.microsoft.com/office/drawing/2014/main" xmlns="" val="10003"/>
                   </a:ext>
                 </a:extLst>
               </a:tr>
@@ -7091,7 +7271,7 @@
         </p:nvGraphicFramePr>
         <p:xfrm>
           <a:off x="1069847" y="914402"/>
-          <a:ext cx="10527985" cy="2500130"/>
+          <a:ext cx="10527985" cy="2586934"/>
         </p:xfrm>
         <a:graphic>
           <a:graphicData uri="http://schemas.openxmlformats.org/drawingml/2006/table">
@@ -7103,14 +7283,14 @@
                 <a:gridCol w="2627565">
                   <a:extLst>
                     <a:ext uri="{9D8B030D-6E8A-4147-A177-3AD203B41FA5}">
-                      <a16:colId xmlns:a16="http://schemas.microsoft.com/office/drawing/2014/main" val="20000"/>
+                      <a16:colId xmlns:a16="http://schemas.microsoft.com/office/drawing/2014/main" xmlns="" val="20000"/>
                     </a:ext>
                   </a:extLst>
                 </a:gridCol>
                 <a:gridCol w="7900420">
                   <a:extLst>
                     <a:ext uri="{9D8B030D-6E8A-4147-A177-3AD203B41FA5}">
-                      <a16:colId xmlns:a16="http://schemas.microsoft.com/office/drawing/2014/main" val="20001"/>
+                      <a16:colId xmlns:a16="http://schemas.microsoft.com/office/drawing/2014/main" xmlns="" val="20001"/>
                     </a:ext>
                   </a:extLst>
                 </a:gridCol>
@@ -7182,7 +7362,7 @@
                 </a:tc>
                 <a:extLst>
                   <a:ext uri="{0D108BD9-81ED-4DB2-BD59-A6C34878D82A}">
-                    <a16:rowId xmlns:a16="http://schemas.microsoft.com/office/drawing/2014/main" val="10000"/>
+                    <a16:rowId xmlns:a16="http://schemas.microsoft.com/office/drawing/2014/main" xmlns="" val="10000"/>
                   </a:ext>
                 </a:extLst>
               </a:tr>
@@ -7253,7 +7433,7 @@
                 </a:tc>
                 <a:extLst>
                   <a:ext uri="{0D108BD9-81ED-4DB2-BD59-A6C34878D82A}">
-                    <a16:rowId xmlns:a16="http://schemas.microsoft.com/office/drawing/2014/main" val="10001"/>
+                    <a16:rowId xmlns:a16="http://schemas.microsoft.com/office/drawing/2014/main" xmlns="" val="10001"/>
                   </a:ext>
                 </a:extLst>
               </a:tr>
@@ -7324,7 +7504,7 @@
                 </a:tc>
                 <a:extLst>
                   <a:ext uri="{0D108BD9-81ED-4DB2-BD59-A6C34878D82A}">
-                    <a16:rowId xmlns:a16="http://schemas.microsoft.com/office/drawing/2014/main" val="10002"/>
+                    <a16:rowId xmlns:a16="http://schemas.microsoft.com/office/drawing/2014/main" xmlns="" val="10002"/>
                   </a:ext>
                 </a:extLst>
               </a:tr>
@@ -7395,7 +7575,7 @@
                 </a:tc>
                 <a:extLst>
                   <a:ext uri="{0D108BD9-81ED-4DB2-BD59-A6C34878D82A}">
-                    <a16:rowId xmlns:a16="http://schemas.microsoft.com/office/drawing/2014/main" val="10003"/>
+                    <a16:rowId xmlns:a16="http://schemas.microsoft.com/office/drawing/2014/main" xmlns="" val="10003"/>
                   </a:ext>
                 </a:extLst>
               </a:tr>
@@ -7466,7 +7646,7 @@
                 </a:tc>
                 <a:extLst>
                   <a:ext uri="{0D108BD9-81ED-4DB2-BD59-A6C34878D82A}">
-                    <a16:rowId xmlns:a16="http://schemas.microsoft.com/office/drawing/2014/main" val="10004"/>
+                    <a16:rowId xmlns:a16="http://schemas.microsoft.com/office/drawing/2014/main" xmlns="" val="10004"/>
                   </a:ext>
                 </a:extLst>
               </a:tr>
@@ -7537,7 +7717,7 @@
                 </a:tc>
                 <a:extLst>
                   <a:ext uri="{0D108BD9-81ED-4DB2-BD59-A6C34878D82A}">
-                    <a16:rowId xmlns:a16="http://schemas.microsoft.com/office/drawing/2014/main" val="10005"/>
+                    <a16:rowId xmlns:a16="http://schemas.microsoft.com/office/drawing/2014/main" xmlns="" val="10005"/>
                   </a:ext>
                 </a:extLst>
               </a:tr>
@@ -7573,21 +7753,21 @@
                 <a:gridCol w="1159088">
                   <a:extLst>
                     <a:ext uri="{9D8B030D-6E8A-4147-A177-3AD203B41FA5}">
-                      <a16:colId xmlns:a16="http://schemas.microsoft.com/office/drawing/2014/main" val="20000"/>
+                      <a16:colId xmlns:a16="http://schemas.microsoft.com/office/drawing/2014/main" xmlns="" val="20000"/>
                     </a:ext>
                   </a:extLst>
                 </a:gridCol>
                 <a:gridCol w="3510886">
                   <a:extLst>
                     <a:ext uri="{9D8B030D-6E8A-4147-A177-3AD203B41FA5}">
-                      <a16:colId xmlns:a16="http://schemas.microsoft.com/office/drawing/2014/main" val="20001"/>
+                      <a16:colId xmlns:a16="http://schemas.microsoft.com/office/drawing/2014/main" xmlns="" val="20001"/>
                     </a:ext>
                   </a:extLst>
                 </a:gridCol>
                 <a:gridCol w="5818308">
                   <a:extLst>
                     <a:ext uri="{9D8B030D-6E8A-4147-A177-3AD203B41FA5}">
-                      <a16:colId xmlns:a16="http://schemas.microsoft.com/office/drawing/2014/main" val="20002"/>
+                      <a16:colId xmlns:a16="http://schemas.microsoft.com/office/drawing/2014/main" xmlns="" val="20002"/>
                     </a:ext>
                   </a:extLst>
                 </a:gridCol>
@@ -7691,7 +7871,7 @@
                 </a:tc>
                 <a:extLst>
                   <a:ext uri="{0D108BD9-81ED-4DB2-BD59-A6C34878D82A}">
-                    <a16:rowId xmlns:a16="http://schemas.microsoft.com/office/drawing/2014/main" val="10000"/>
+                    <a16:rowId xmlns:a16="http://schemas.microsoft.com/office/drawing/2014/main" xmlns="" val="10000"/>
                   </a:ext>
                 </a:extLst>
               </a:tr>
@@ -7794,7 +7974,7 @@
                 </a:tc>
                 <a:extLst>
                   <a:ext uri="{0D108BD9-81ED-4DB2-BD59-A6C34878D82A}">
-                    <a16:rowId xmlns:a16="http://schemas.microsoft.com/office/drawing/2014/main" val="10001"/>
+                    <a16:rowId xmlns:a16="http://schemas.microsoft.com/office/drawing/2014/main" xmlns="" val="10001"/>
                   </a:ext>
                 </a:extLst>
               </a:tr>
@@ -7897,7 +8077,7 @@
                 </a:tc>
                 <a:extLst>
                   <a:ext uri="{0D108BD9-81ED-4DB2-BD59-A6C34878D82A}">
-                    <a16:rowId xmlns:a16="http://schemas.microsoft.com/office/drawing/2014/main" val="10002"/>
+                    <a16:rowId xmlns:a16="http://schemas.microsoft.com/office/drawing/2014/main" xmlns="" val="10002"/>
                   </a:ext>
                 </a:extLst>
               </a:tr>
@@ -8000,7 +8180,7 @@
                 </a:tc>
                 <a:extLst>
                   <a:ext uri="{0D108BD9-81ED-4DB2-BD59-A6C34878D82A}">
-                    <a16:rowId xmlns:a16="http://schemas.microsoft.com/office/drawing/2014/main" val="10003"/>
+                    <a16:rowId xmlns:a16="http://schemas.microsoft.com/office/drawing/2014/main" xmlns="" val="10003"/>
                   </a:ext>
                 </a:extLst>
               </a:tr>
@@ -8098,7 +8278,7 @@
           <p:cNvPr id="2" name="Title 1">
             <a:extLst>
               <a:ext uri="{FF2B5EF4-FFF2-40B4-BE49-F238E27FC236}">
-                <a16:creationId xmlns:a16="http://schemas.microsoft.com/office/drawing/2014/main" id="{C27109A9-8D84-486A-AD51-B63C3C6BDB5C}"/>
+                <a16:creationId xmlns:a16="http://schemas.microsoft.com/office/drawing/2014/main" xmlns="" id="{C27109A9-8D84-486A-AD51-B63C3C6BDB5C}"/>
               </a:ext>
             </a:extLst>
           </p:cNvPr>
@@ -8133,7 +8313,7 @@
           <p:cNvPr id="4" name="Content Placeholder 3">
             <a:extLst>
               <a:ext uri="{FF2B5EF4-FFF2-40B4-BE49-F238E27FC236}">
-                <a16:creationId xmlns:a16="http://schemas.microsoft.com/office/drawing/2014/main" id="{0111AAB1-A7D6-48C6-B93D-2BF15034E452}"/>
+                <a16:creationId xmlns:a16="http://schemas.microsoft.com/office/drawing/2014/main" xmlns="" id="{0111AAB1-A7D6-48C6-B93D-2BF15034E452}"/>
               </a:ext>
             </a:extLst>
           </p:cNvPr>
@@ -8146,7 +8326,7 @@
         </p:nvGraphicFramePr>
         <p:xfrm>
           <a:off x="948775" y="996950"/>
-          <a:ext cx="10324260" cy="5716087"/>
+          <a:ext cx="10324260" cy="5836479"/>
         </p:xfrm>
         <a:graphic>
           <a:graphicData uri="http://schemas.openxmlformats.org/drawingml/2006/table">
@@ -8158,56 +8338,56 @@
                 <a:gridCol w="369962">
                   <a:extLst>
                     <a:ext uri="{9D8B030D-6E8A-4147-A177-3AD203B41FA5}">
-                      <a16:colId xmlns:a16="http://schemas.microsoft.com/office/drawing/2014/main" val="3571866511"/>
+                      <a16:colId xmlns:a16="http://schemas.microsoft.com/office/drawing/2014/main" xmlns="" val="3571866511"/>
                     </a:ext>
                   </a:extLst>
                 </a:gridCol>
                 <a:gridCol w="2799501">
                   <a:extLst>
                     <a:ext uri="{9D8B030D-6E8A-4147-A177-3AD203B41FA5}">
-                      <a16:colId xmlns:a16="http://schemas.microsoft.com/office/drawing/2014/main" val="1421687479"/>
+                      <a16:colId xmlns:a16="http://schemas.microsoft.com/office/drawing/2014/main" xmlns="" val="1421687479"/>
                     </a:ext>
                   </a:extLst>
                 </a:gridCol>
                 <a:gridCol w="2564445">
                   <a:extLst>
                     <a:ext uri="{9D8B030D-6E8A-4147-A177-3AD203B41FA5}">
-                      <a16:colId xmlns:a16="http://schemas.microsoft.com/office/drawing/2014/main" val="3899242390"/>
+                      <a16:colId xmlns:a16="http://schemas.microsoft.com/office/drawing/2014/main" xmlns="" val="3899242390"/>
                     </a:ext>
                   </a:extLst>
                 </a:gridCol>
                 <a:gridCol w="185630">
                   <a:extLst>
                     <a:ext uri="{9D8B030D-6E8A-4147-A177-3AD203B41FA5}">
-                      <a16:colId xmlns:a16="http://schemas.microsoft.com/office/drawing/2014/main" val="2048303212"/>
+                      <a16:colId xmlns:a16="http://schemas.microsoft.com/office/drawing/2014/main" xmlns="" val="2048303212"/>
                     </a:ext>
                   </a:extLst>
                 </a:gridCol>
                 <a:gridCol w="295633">
                   <a:extLst>
                     <a:ext uri="{9D8B030D-6E8A-4147-A177-3AD203B41FA5}">
-                      <a16:colId xmlns:a16="http://schemas.microsoft.com/office/drawing/2014/main" val="746535854"/>
+                      <a16:colId xmlns:a16="http://schemas.microsoft.com/office/drawing/2014/main" xmlns="" val="746535854"/>
                     </a:ext>
                   </a:extLst>
                 </a:gridCol>
                 <a:gridCol w="93980">
                   <a:extLst>
                     <a:ext uri="{9D8B030D-6E8A-4147-A177-3AD203B41FA5}">
-                      <a16:colId xmlns:a16="http://schemas.microsoft.com/office/drawing/2014/main" val="1517551828"/>
+                      <a16:colId xmlns:a16="http://schemas.microsoft.com/office/drawing/2014/main" xmlns="" val="1517551828"/>
                     </a:ext>
                   </a:extLst>
                 </a:gridCol>
                 <a:gridCol w="284155">
                   <a:extLst>
                     <a:ext uri="{9D8B030D-6E8A-4147-A177-3AD203B41FA5}">
-                      <a16:colId xmlns:a16="http://schemas.microsoft.com/office/drawing/2014/main" val="1975296765"/>
+                      <a16:colId xmlns:a16="http://schemas.microsoft.com/office/drawing/2014/main" xmlns="" val="1975296765"/>
                     </a:ext>
                   </a:extLst>
                 </a:gridCol>
                 <a:gridCol w="3730954">
                   <a:extLst>
                     <a:ext uri="{9D8B030D-6E8A-4147-A177-3AD203B41FA5}">
-                      <a16:colId xmlns:a16="http://schemas.microsoft.com/office/drawing/2014/main" val="1563690532"/>
+                      <a16:colId xmlns:a16="http://schemas.microsoft.com/office/drawing/2014/main" xmlns="" val="1563690532"/>
                     </a:ext>
                   </a:extLst>
                 </a:gridCol>
@@ -8477,7 +8657,7 @@
                 </a:tc>
                 <a:extLst>
                   <a:ext uri="{0D108BD9-81ED-4DB2-BD59-A6C34878D82A}">
-                    <a16:rowId xmlns:a16="http://schemas.microsoft.com/office/drawing/2014/main" val="2790610759"/>
+                    <a16:rowId xmlns:a16="http://schemas.microsoft.com/office/drawing/2014/main" xmlns="" val="2790610759"/>
                   </a:ext>
                 </a:extLst>
               </a:tr>
@@ -8570,7 +8750,7 @@
                 </a:tc>
                 <a:extLst>
                   <a:ext uri="{0D108BD9-81ED-4DB2-BD59-A6C34878D82A}">
-                    <a16:rowId xmlns:a16="http://schemas.microsoft.com/office/drawing/2014/main" val="2643930646"/>
+                    <a16:rowId xmlns:a16="http://schemas.microsoft.com/office/drawing/2014/main" xmlns="" val="2643930646"/>
                   </a:ext>
                 </a:extLst>
               </a:tr>
@@ -8784,7 +8964,7 @@
                 </a:tc>
                 <a:extLst>
                   <a:ext uri="{0D108BD9-81ED-4DB2-BD59-A6C34878D82A}">
-                    <a16:rowId xmlns:a16="http://schemas.microsoft.com/office/drawing/2014/main" val="3304438575"/>
+                    <a16:rowId xmlns:a16="http://schemas.microsoft.com/office/drawing/2014/main" xmlns="" val="3304438575"/>
                   </a:ext>
                 </a:extLst>
               </a:tr>
@@ -9010,7 +9190,7 @@
                 </a:tc>
                 <a:extLst>
                   <a:ext uri="{0D108BD9-81ED-4DB2-BD59-A6C34878D82A}">
-                    <a16:rowId xmlns:a16="http://schemas.microsoft.com/office/drawing/2014/main" val="1091830123"/>
+                    <a16:rowId xmlns:a16="http://schemas.microsoft.com/office/drawing/2014/main" xmlns="" val="1091830123"/>
                   </a:ext>
                 </a:extLst>
               </a:tr>
@@ -9224,7 +9404,7 @@
                 </a:tc>
                 <a:extLst>
                   <a:ext uri="{0D108BD9-81ED-4DB2-BD59-A6C34878D82A}">
-                    <a16:rowId xmlns:a16="http://schemas.microsoft.com/office/drawing/2014/main" val="195937988"/>
+                    <a16:rowId xmlns:a16="http://schemas.microsoft.com/office/drawing/2014/main" xmlns="" val="195937988"/>
                   </a:ext>
                 </a:extLst>
               </a:tr>
@@ -9317,7 +9497,7 @@
                 </a:tc>
                 <a:extLst>
                   <a:ext uri="{0D108BD9-81ED-4DB2-BD59-A6C34878D82A}">
-                    <a16:rowId xmlns:a16="http://schemas.microsoft.com/office/drawing/2014/main" val="4166280157"/>
+                    <a16:rowId xmlns:a16="http://schemas.microsoft.com/office/drawing/2014/main" xmlns="" val="4166280157"/>
                   </a:ext>
                 </a:extLst>
               </a:tr>
@@ -9556,7 +9736,7 @@
                 </a:tc>
                 <a:extLst>
                   <a:ext uri="{0D108BD9-81ED-4DB2-BD59-A6C34878D82A}">
-                    <a16:rowId xmlns:a16="http://schemas.microsoft.com/office/drawing/2014/main" val="1405325198"/>
+                    <a16:rowId xmlns:a16="http://schemas.microsoft.com/office/drawing/2014/main" xmlns="" val="1405325198"/>
                   </a:ext>
                 </a:extLst>
               </a:tr>
@@ -9795,7 +9975,7 @@
                 </a:tc>
                 <a:extLst>
                   <a:ext uri="{0D108BD9-81ED-4DB2-BD59-A6C34878D82A}">
-                    <a16:rowId xmlns:a16="http://schemas.microsoft.com/office/drawing/2014/main" val="2816664006"/>
+                    <a16:rowId xmlns:a16="http://schemas.microsoft.com/office/drawing/2014/main" xmlns="" val="2816664006"/>
                   </a:ext>
                 </a:extLst>
               </a:tr>
@@ -9888,7 +10068,7 @@
                 </a:tc>
                 <a:extLst>
                   <a:ext uri="{0D108BD9-81ED-4DB2-BD59-A6C34878D82A}">
-                    <a16:rowId xmlns:a16="http://schemas.microsoft.com/office/drawing/2014/main" val="3466216339"/>
+                    <a16:rowId xmlns:a16="http://schemas.microsoft.com/office/drawing/2014/main" xmlns="" val="3466216339"/>
                   </a:ext>
                 </a:extLst>
               </a:tr>
@@ -10127,7 +10307,7 @@
                 </a:tc>
                 <a:extLst>
                   <a:ext uri="{0D108BD9-81ED-4DB2-BD59-A6C34878D82A}">
-                    <a16:rowId xmlns:a16="http://schemas.microsoft.com/office/drawing/2014/main" val="3192613793"/>
+                    <a16:rowId xmlns:a16="http://schemas.microsoft.com/office/drawing/2014/main" xmlns="" val="3192613793"/>
                   </a:ext>
                 </a:extLst>
               </a:tr>
@@ -10366,7 +10546,7 @@
                 </a:tc>
                 <a:extLst>
                   <a:ext uri="{0D108BD9-81ED-4DB2-BD59-A6C34878D82A}">
-                    <a16:rowId xmlns:a16="http://schemas.microsoft.com/office/drawing/2014/main" val="1937383606"/>
+                    <a16:rowId xmlns:a16="http://schemas.microsoft.com/office/drawing/2014/main" xmlns="" val="1937383606"/>
                   </a:ext>
                 </a:extLst>
               </a:tr>
@@ -10605,7 +10785,7 @@
                 </a:tc>
                 <a:extLst>
                   <a:ext uri="{0D108BD9-81ED-4DB2-BD59-A6C34878D82A}">
-                    <a16:rowId xmlns:a16="http://schemas.microsoft.com/office/drawing/2014/main" val="3994458559"/>
+                    <a16:rowId xmlns:a16="http://schemas.microsoft.com/office/drawing/2014/main" xmlns="" val="3994458559"/>
                   </a:ext>
                 </a:extLst>
               </a:tr>
@@ -10678,7 +10858,7 @@
           <p:cNvPr id="5" name="Content Placeholder 4">
             <a:extLst>
               <a:ext uri="{FF2B5EF4-FFF2-40B4-BE49-F238E27FC236}">
-                <a16:creationId xmlns:a16="http://schemas.microsoft.com/office/drawing/2014/main" id="{6BEF5C33-2C1C-4462-BF56-BF3F99F3356F}"/>
+                <a16:creationId xmlns:a16="http://schemas.microsoft.com/office/drawing/2014/main" xmlns="" id="{6BEF5C33-2C1C-4462-BF56-BF3F99F3356F}"/>
               </a:ext>
             </a:extLst>
           </p:cNvPr>
@@ -10921,7 +11101,7 @@
         </p:nvGraphicFramePr>
         <p:xfrm>
           <a:off x="1069848" y="3258803"/>
-          <a:ext cx="10433936" cy="1086962"/>
+          <a:ext cx="10433936" cy="1099345"/>
         </p:xfrm>
         <a:graphic>
           <a:graphicData uri="http://schemas.openxmlformats.org/drawingml/2006/table">
@@ -10933,14 +11113,14 @@
                 <a:gridCol w="5216968">
                   <a:extLst>
                     <a:ext uri="{9D8B030D-6E8A-4147-A177-3AD203B41FA5}">
-                      <a16:colId xmlns:a16="http://schemas.microsoft.com/office/drawing/2014/main" val="20000"/>
+                      <a16:colId xmlns:a16="http://schemas.microsoft.com/office/drawing/2014/main" xmlns="" val="20000"/>
                     </a:ext>
                   </a:extLst>
                 </a:gridCol>
                 <a:gridCol w="5216968">
                   <a:extLst>
                     <a:ext uri="{9D8B030D-6E8A-4147-A177-3AD203B41FA5}">
-                      <a16:colId xmlns:a16="http://schemas.microsoft.com/office/drawing/2014/main" val="20001"/>
+                      <a16:colId xmlns:a16="http://schemas.microsoft.com/office/drawing/2014/main" xmlns="" val="20001"/>
                     </a:ext>
                   </a:extLst>
                 </a:gridCol>
@@ -11018,7 +11198,7 @@
                 </a:tc>
                 <a:extLst>
                   <a:ext uri="{0D108BD9-81ED-4DB2-BD59-A6C34878D82A}">
-                    <a16:rowId xmlns:a16="http://schemas.microsoft.com/office/drawing/2014/main" val="10000"/>
+                    <a16:rowId xmlns:a16="http://schemas.microsoft.com/office/drawing/2014/main" xmlns="" val="10000"/>
                   </a:ext>
                 </a:extLst>
               </a:tr>
@@ -11138,7 +11318,7 @@
                 </a:tc>
                 <a:extLst>
                   <a:ext uri="{0D108BD9-81ED-4DB2-BD59-A6C34878D82A}">
-                    <a16:rowId xmlns:a16="http://schemas.microsoft.com/office/drawing/2014/main" val="10001"/>
+                    <a16:rowId xmlns:a16="http://schemas.microsoft.com/office/drawing/2014/main" xmlns="" val="10001"/>
                   </a:ext>
                 </a:extLst>
               </a:tr>
@@ -11348,14 +11528,14 @@
                 <a:gridCol w="3316957">
                   <a:extLst>
                     <a:ext uri="{9D8B030D-6E8A-4147-A177-3AD203B41FA5}">
-                      <a16:colId xmlns:a16="http://schemas.microsoft.com/office/drawing/2014/main" val="20000"/>
+                      <a16:colId xmlns:a16="http://schemas.microsoft.com/office/drawing/2014/main" xmlns="" val="20000"/>
                     </a:ext>
                   </a:extLst>
                 </a:gridCol>
                 <a:gridCol w="7116979">
                   <a:extLst>
                     <a:ext uri="{9D8B030D-6E8A-4147-A177-3AD203B41FA5}">
-                      <a16:colId xmlns:a16="http://schemas.microsoft.com/office/drawing/2014/main" val="20001"/>
+                      <a16:colId xmlns:a16="http://schemas.microsoft.com/office/drawing/2014/main" xmlns="" val="20001"/>
                     </a:ext>
                   </a:extLst>
                 </a:gridCol>
@@ -11433,7 +11613,7 @@
                 </a:tc>
                 <a:extLst>
                   <a:ext uri="{0D108BD9-81ED-4DB2-BD59-A6C34878D82A}">
-                    <a16:rowId xmlns:a16="http://schemas.microsoft.com/office/drawing/2014/main" val="10000"/>
+                    <a16:rowId xmlns:a16="http://schemas.microsoft.com/office/drawing/2014/main" xmlns="" val="10000"/>
                   </a:ext>
                 </a:extLst>
               </a:tr>
@@ -11546,7 +11726,7 @@
                 </a:tc>
                 <a:extLst>
                   <a:ext uri="{0D108BD9-81ED-4DB2-BD59-A6C34878D82A}">
-                    <a16:rowId xmlns:a16="http://schemas.microsoft.com/office/drawing/2014/main" val="10001"/>
+                    <a16:rowId xmlns:a16="http://schemas.microsoft.com/office/drawing/2014/main" xmlns="" val="10001"/>
                   </a:ext>
                 </a:extLst>
               </a:tr>

--- a/Online Car Rental System presentation v2.pptx
+++ b/Online Car Rental System presentation v2.pptx
@@ -6562,7 +6562,9 @@
           </a:xfrm>
         </p:spPr>
         <p:txBody>
-          <a:bodyPr/>
+          <a:bodyPr>
+            <a:normAutofit lnSpcReduction="10000"/>
+          </a:bodyPr>
           <a:lstStyle/>
           <a:p>
             <a:pPr marL="457200" indent="-457200">
@@ -6609,8 +6611,33 @@
             </a:pPr>
             <a:r>
               <a:rPr lang="en-US" sz="2800" dirty="0"/>
-              <a:t>Sequence Diagrams</a:t>
-            </a:r>
+              <a:t>Sequence </a:t>
+            </a:r>
+            <a:r>
+              <a:rPr lang="en-US" sz="2800" dirty="0" smtClean="0"/>
+              <a:t>Diagrams</a:t>
+            </a:r>
+          </a:p>
+          <a:p>
+            <a:pPr marL="457200" indent="-457200">
+              <a:buFont typeface="Wingdings" pitchFamily="2" charset="2"/>
+              <a:buAutoNum type="arabicPeriod"/>
+            </a:pPr>
+            <a:r>
+              <a:rPr lang="en-US" sz="2800" dirty="0" smtClean="0"/>
+              <a:t>Collaboration Diagram</a:t>
+            </a:r>
+          </a:p>
+          <a:p>
+            <a:pPr marL="457200" indent="-457200">
+              <a:buFont typeface="Wingdings" pitchFamily="2" charset="2"/>
+              <a:buAutoNum type="arabicPeriod"/>
+            </a:pPr>
+            <a:r>
+              <a:rPr lang="en-US" sz="2800" dirty="0" smtClean="0"/>
+              <a:t>VOPC Classes</a:t>
+            </a:r>
+            <a:endParaRPr lang="en-US" sz="2800" dirty="0"/>
           </a:p>
           <a:p>
             <a:pPr marL="457200" indent="-457200">

--- a/Online Car Rental System presentation v2.pptx
+++ b/Online Car Rental System presentation v2.pptx
@@ -536,7 +536,7 @@
           <a:p>
             <a:fld id="{D91B805F-FF0F-4BAA-A3A3-E4F945D687F8}" type="datetimeFigureOut">
               <a:rPr lang="en-US" dirty="0"/>
-              <a:t>05/06/19</a:t>
+              <a:t>05/11/19</a:t>
             </a:fld>
             <a:endParaRPr lang="en-US" dirty="0"/>
           </a:p>
@@ -711,7 +711,7 @@
           <a:p>
             <a:fld id="{780B5C51-60B3-48EF-AA78-DB950F30DBA2}" type="datetimeFigureOut">
               <a:rPr lang="en-US" dirty="0"/>
-              <a:t>05/06/19</a:t>
+              <a:t>05/11/19</a:t>
             </a:fld>
             <a:endParaRPr lang="en-US" dirty="0"/>
           </a:p>
@@ -886,7 +886,7 @@
           <a:p>
             <a:fld id="{C35D676B-6E73-4E3B-A9B3-4966DB9B52A5}" type="datetimeFigureOut">
               <a:rPr lang="en-US" dirty="0"/>
-              <a:t>05/06/19</a:t>
+              <a:t>05/11/19</a:t>
             </a:fld>
             <a:endParaRPr lang="en-US" dirty="0"/>
           </a:p>
@@ -1051,7 +1051,7 @@
           <a:p>
             <a:fld id="{2261F3A6-CC5D-4649-8527-DB0C21FDDFD9}" type="datetimeFigureOut">
               <a:rPr lang="en-US" dirty="0"/>
-              <a:t>05/06/19</a:t>
+              <a:t>05/11/19</a:t>
             </a:fld>
             <a:endParaRPr lang="en-US" dirty="0"/>
           </a:p>
@@ -1371,7 +1371,7 @@
           <a:p>
             <a:fld id="{5B6F927C-B73E-4F9D-ADFE-F6E23BD7CEE8}" type="datetimeFigureOut">
               <a:rPr lang="en-US" dirty="0"/>
-              <a:t>05/06/19</a:t>
+              <a:t>05/11/19</a:t>
             </a:fld>
             <a:endParaRPr lang="en-US" dirty="0"/>
           </a:p>
@@ -1763,7 +1763,7 @@
           <a:p>
             <a:fld id="{65B1FFFF-984A-4EE5-9BF2-EC9310C878F1}" type="datetimeFigureOut">
               <a:rPr lang="en-US" dirty="0"/>
-              <a:t>05/06/19</a:t>
+              <a:t>05/11/19</a:t>
             </a:fld>
             <a:endParaRPr lang="en-US" dirty="0"/>
           </a:p>
@@ -2192,7 +2192,7 @@
           <a:p>
             <a:fld id="{703271C1-B42E-4A60-A25F-0185B888604B}" type="datetimeFigureOut">
               <a:rPr lang="en-US" dirty="0"/>
-              <a:t>05/06/19</a:t>
+              <a:t>05/11/19</a:t>
             </a:fld>
             <a:endParaRPr lang="en-US" dirty="0"/>
           </a:p>
@@ -2305,7 +2305,7 @@
           <a:p>
             <a:fld id="{80416292-3725-4763-8973-4C59F0403D99}" type="datetimeFigureOut">
               <a:rPr lang="en-US" dirty="0"/>
-              <a:t>05/06/19</a:t>
+              <a:t>05/11/19</a:t>
             </a:fld>
             <a:endParaRPr lang="en-US" dirty="0"/>
           </a:p>
@@ -2395,7 +2395,7 @@
           <a:p>
             <a:fld id="{386996D1-8909-469F-911A-4C12C68BF5D9}" type="datetimeFigureOut">
               <a:rPr lang="en-US" dirty="0"/>
-              <a:t>05/06/19</a:t>
+              <a:t>05/11/19</a:t>
             </a:fld>
             <a:endParaRPr lang="en-US" dirty="0"/>
           </a:p>
@@ -2740,7 +2740,7 @@
           <a:p>
             <a:fld id="{E16A73BC-5D11-4675-B334-102E1E8C9B50}" type="datetimeFigureOut">
               <a:rPr lang="en-US" dirty="0"/>
-              <a:t>05/06/19</a:t>
+              <a:t>05/11/19</a:t>
             </a:fld>
             <a:endParaRPr lang="en-US" dirty="0"/>
           </a:p>
@@ -3170,7 +3170,7 @@
           <a:p>
             <a:fld id="{27B8E45F-652B-4E89-8925-000B0AB8FD98}" type="datetimeFigureOut">
               <a:rPr lang="en-US" dirty="0"/>
-              <a:t>05/06/19</a:t>
+              <a:t>05/11/19</a:t>
             </a:fld>
             <a:endParaRPr lang="en-US" dirty="0"/>
           </a:p>
@@ -3448,7 +3448,7 @@
           <a:p>
             <a:fld id="{C4A3462A-2D5B-48AF-A3D4-EF8A90A50A80}" type="datetimeFigureOut">
               <a:rPr lang="en-US" dirty="0"/>
-              <a:t>05/06/19</a:t>
+              <a:t>05/11/19</a:t>
             </a:fld>
             <a:endParaRPr lang="en-US" dirty="0"/>
           </a:p>
@@ -4287,14 +4287,14 @@
                 <a:gridCol w="5216968">
                   <a:extLst>
                     <a:ext uri="{9D8B030D-6E8A-4147-A177-3AD203B41FA5}">
-                      <a16:colId xmlns:a16="http://schemas.microsoft.com/office/drawing/2014/main" xmlns="" val="20000"/>
+                      <a16:colId xmlns="" xmlns:a16="http://schemas.microsoft.com/office/drawing/2014/main" val="20000"/>
                     </a:ext>
                   </a:extLst>
                 </a:gridCol>
                 <a:gridCol w="5216968">
                   <a:extLst>
                     <a:ext uri="{9D8B030D-6E8A-4147-A177-3AD203B41FA5}">
-                      <a16:colId xmlns:a16="http://schemas.microsoft.com/office/drawing/2014/main" xmlns="" val="20001"/>
+                      <a16:colId xmlns="" xmlns:a16="http://schemas.microsoft.com/office/drawing/2014/main" val="20001"/>
                     </a:ext>
                   </a:extLst>
                 </a:gridCol>
@@ -4372,7 +4372,7 @@
                 </a:tc>
                 <a:extLst>
                   <a:ext uri="{0D108BD9-81ED-4DB2-BD59-A6C34878D82A}">
-                    <a16:rowId xmlns:a16="http://schemas.microsoft.com/office/drawing/2014/main" xmlns="" val="10000"/>
+                    <a16:rowId xmlns="" xmlns:a16="http://schemas.microsoft.com/office/drawing/2014/main" val="10000"/>
                   </a:ext>
                 </a:extLst>
               </a:tr>
@@ -4461,7 +4461,7 @@
                 </a:tc>
                 <a:extLst>
                   <a:ext uri="{0D108BD9-81ED-4DB2-BD59-A6C34878D82A}">
-                    <a16:rowId xmlns:a16="http://schemas.microsoft.com/office/drawing/2014/main" xmlns="" val="10001"/>
+                    <a16:rowId xmlns="" xmlns:a16="http://schemas.microsoft.com/office/drawing/2014/main" val="10001"/>
                   </a:ext>
                 </a:extLst>
               </a:tr>
@@ -4693,14 +4693,14 @@
                 <a:gridCol w="3365629">
                   <a:extLst>
                     <a:ext uri="{9D8B030D-6E8A-4147-A177-3AD203B41FA5}">
-                      <a16:colId xmlns:a16="http://schemas.microsoft.com/office/drawing/2014/main" xmlns="" val="20000"/>
+                      <a16:colId xmlns="" xmlns:a16="http://schemas.microsoft.com/office/drawing/2014/main" val="20000"/>
                     </a:ext>
                   </a:extLst>
                 </a:gridCol>
                 <a:gridCol w="7258478">
                   <a:extLst>
                     <a:ext uri="{9D8B030D-6E8A-4147-A177-3AD203B41FA5}">
-                      <a16:colId xmlns:a16="http://schemas.microsoft.com/office/drawing/2014/main" xmlns="" val="20001"/>
+                      <a16:colId xmlns="" xmlns:a16="http://schemas.microsoft.com/office/drawing/2014/main" val="20001"/>
                     </a:ext>
                   </a:extLst>
                 </a:gridCol>
@@ -4778,7 +4778,7 @@
                 </a:tc>
                 <a:extLst>
                   <a:ext uri="{0D108BD9-81ED-4DB2-BD59-A6C34878D82A}">
-                    <a16:rowId xmlns:a16="http://schemas.microsoft.com/office/drawing/2014/main" xmlns="" val="10000"/>
+                    <a16:rowId xmlns="" xmlns:a16="http://schemas.microsoft.com/office/drawing/2014/main" val="10000"/>
                   </a:ext>
                 </a:extLst>
               </a:tr>
@@ -4929,7 +4929,7 @@
                 </a:tc>
                 <a:extLst>
                   <a:ext uri="{0D108BD9-81ED-4DB2-BD59-A6C34878D82A}">
-                    <a16:rowId xmlns:a16="http://schemas.microsoft.com/office/drawing/2014/main" xmlns="" val="10001"/>
+                    <a16:rowId xmlns="" xmlns:a16="http://schemas.microsoft.com/office/drawing/2014/main" val="10001"/>
                   </a:ext>
                 </a:extLst>
               </a:tr>
@@ -5110,7 +5110,7 @@
                 </a:tc>
                 <a:extLst>
                   <a:ext uri="{0D108BD9-81ED-4DB2-BD59-A6C34878D82A}">
-                    <a16:rowId xmlns:a16="http://schemas.microsoft.com/office/drawing/2014/main" xmlns="" val="10002"/>
+                    <a16:rowId xmlns="" xmlns:a16="http://schemas.microsoft.com/office/drawing/2014/main" val="10002"/>
                   </a:ext>
                 </a:extLst>
               </a:tr>
@@ -5295,14 +5295,14 @@
                 <a:gridCol w="3450929">
                   <a:extLst>
                     <a:ext uri="{9D8B030D-6E8A-4147-A177-3AD203B41FA5}">
-                      <a16:colId xmlns:a16="http://schemas.microsoft.com/office/drawing/2014/main" xmlns="" val="20000"/>
+                      <a16:colId xmlns="" xmlns:a16="http://schemas.microsoft.com/office/drawing/2014/main" val="20000"/>
                     </a:ext>
                   </a:extLst>
                 </a:gridCol>
                 <a:gridCol w="6983007">
                   <a:extLst>
                     <a:ext uri="{9D8B030D-6E8A-4147-A177-3AD203B41FA5}">
-                      <a16:colId xmlns:a16="http://schemas.microsoft.com/office/drawing/2014/main" xmlns="" val="20001"/>
+                      <a16:colId xmlns="" xmlns:a16="http://schemas.microsoft.com/office/drawing/2014/main" val="20001"/>
                     </a:ext>
                   </a:extLst>
                 </a:gridCol>
@@ -5382,7 +5382,7 @@
                 </a:tc>
                 <a:extLst>
                   <a:ext uri="{0D108BD9-81ED-4DB2-BD59-A6C34878D82A}">
-                    <a16:rowId xmlns:a16="http://schemas.microsoft.com/office/drawing/2014/main" xmlns="" val="10000"/>
+                    <a16:rowId xmlns="" xmlns:a16="http://schemas.microsoft.com/office/drawing/2014/main" val="10000"/>
                   </a:ext>
                 </a:extLst>
               </a:tr>
@@ -5575,7 +5575,7 @@
                 </a:tc>
                 <a:extLst>
                   <a:ext uri="{0D108BD9-81ED-4DB2-BD59-A6C34878D82A}">
-                    <a16:rowId xmlns:a16="http://schemas.microsoft.com/office/drawing/2014/main" xmlns="" val="10001"/>
+                    <a16:rowId xmlns="" xmlns:a16="http://schemas.microsoft.com/office/drawing/2014/main" val="10001"/>
                   </a:ext>
                 </a:extLst>
               </a:tr>
@@ -5756,7 +5756,7 @@
                 </a:tc>
                 <a:extLst>
                   <a:ext uri="{0D108BD9-81ED-4DB2-BD59-A6C34878D82A}">
-                    <a16:rowId xmlns:a16="http://schemas.microsoft.com/office/drawing/2014/main" xmlns="" val="10002"/>
+                    <a16:rowId xmlns="" xmlns:a16="http://schemas.microsoft.com/office/drawing/2014/main" val="10002"/>
                   </a:ext>
                 </a:extLst>
               </a:tr>
@@ -5912,7 +5912,7 @@
           <p:cNvPr id="2" name="Title 1">
             <a:extLst>
               <a:ext uri="{FF2B5EF4-FFF2-40B4-BE49-F238E27FC236}">
-                <a16:creationId xmlns:a16="http://schemas.microsoft.com/office/drawing/2014/main" xmlns="" id="{4EEC2E0C-F73F-4C5B-83E3-0A2A48AF01ED}"/>
+                <a16:creationId xmlns="" xmlns:a16="http://schemas.microsoft.com/office/drawing/2014/main" id="{4EEC2E0C-F73F-4C5B-83E3-0A2A48AF01ED}"/>
               </a:ext>
             </a:extLst>
           </p:cNvPr>
@@ -5947,7 +5947,7 @@
           <p:cNvPr id="5" name="Content Placeholder 4" descr="A close up of a map&#10;&#10;Description automatically generated">
             <a:extLst>
               <a:ext uri="{FF2B5EF4-FFF2-40B4-BE49-F238E27FC236}">
-                <a16:creationId xmlns:a16="http://schemas.microsoft.com/office/drawing/2014/main" xmlns="" id="{6CA20D7A-971B-4706-975C-390C752AF709}"/>
+                <a16:creationId xmlns="" xmlns:a16="http://schemas.microsoft.com/office/drawing/2014/main" id="{6CA20D7A-971B-4706-975C-390C752AF709}"/>
               </a:ext>
             </a:extLst>
           </p:cNvPr>
@@ -6006,7 +6006,7 @@
           <p:cNvPr id="2" name="Title 1">
             <a:extLst>
               <a:ext uri="{FF2B5EF4-FFF2-40B4-BE49-F238E27FC236}">
-                <a16:creationId xmlns:a16="http://schemas.microsoft.com/office/drawing/2014/main" xmlns="" id="{D01D6F5C-1424-4873-A38F-4620227219EE}"/>
+                <a16:creationId xmlns="" xmlns:a16="http://schemas.microsoft.com/office/drawing/2014/main" id="{D01D6F5C-1424-4873-A38F-4620227219EE}"/>
               </a:ext>
             </a:extLst>
           </p:cNvPr>
@@ -6057,7 +6057,7 @@
           <p:cNvPr id="5" name="Content Placeholder 4" descr="A close up of a map&#10;&#10;Description automatically generated">
             <a:extLst>
               <a:ext uri="{FF2B5EF4-FFF2-40B4-BE49-F238E27FC236}">
-                <a16:creationId xmlns:a16="http://schemas.microsoft.com/office/drawing/2014/main" xmlns="" id="{C98D7A44-4395-4509-B3BB-709EAE79D391}"/>
+                <a16:creationId xmlns="" xmlns:a16="http://schemas.microsoft.com/office/drawing/2014/main" id="{C98D7A44-4395-4509-B3BB-709EAE79D391}"/>
               </a:ext>
             </a:extLst>
           </p:cNvPr>
@@ -6116,7 +6116,7 @@
           <p:cNvPr id="2" name="Title 1">
             <a:extLst>
               <a:ext uri="{FF2B5EF4-FFF2-40B4-BE49-F238E27FC236}">
-                <a16:creationId xmlns:a16="http://schemas.microsoft.com/office/drawing/2014/main" xmlns="" id="{EE6EC4DB-CC0B-4B98-97AB-786A01B52965}"/>
+                <a16:creationId xmlns="" xmlns:a16="http://schemas.microsoft.com/office/drawing/2014/main" id="{EE6EC4DB-CC0B-4B98-97AB-786A01B52965}"/>
               </a:ext>
             </a:extLst>
           </p:cNvPr>
@@ -6159,7 +6159,7 @@
           <p:cNvPr id="5" name="Content Placeholder 4" descr="A close up of a map&#10;&#10;Description automatically generated">
             <a:extLst>
               <a:ext uri="{FF2B5EF4-FFF2-40B4-BE49-F238E27FC236}">
-                <a16:creationId xmlns:a16="http://schemas.microsoft.com/office/drawing/2014/main" xmlns="" id="{9BE09307-68BB-40A1-B103-E3789CF52762}"/>
+                <a16:creationId xmlns="" xmlns:a16="http://schemas.microsoft.com/office/drawing/2014/main" id="{9BE09307-68BB-40A1-B103-E3789CF52762}"/>
               </a:ext>
             </a:extLst>
           </p:cNvPr>
@@ -6218,7 +6218,7 @@
           <p:cNvPr id="2" name="Title 1">
             <a:extLst>
               <a:ext uri="{FF2B5EF4-FFF2-40B4-BE49-F238E27FC236}">
-                <a16:creationId xmlns:a16="http://schemas.microsoft.com/office/drawing/2014/main" xmlns="" id="{14A0F59C-87AE-479C-ACF9-6205AA56A33D}"/>
+                <a16:creationId xmlns="" xmlns:a16="http://schemas.microsoft.com/office/drawing/2014/main" id="{14A0F59C-87AE-479C-ACF9-6205AA56A33D}"/>
               </a:ext>
             </a:extLst>
           </p:cNvPr>
@@ -6261,7 +6261,7 @@
           <p:cNvPr id="5" name="Content Placeholder 4" descr="A close up of a map&#10;&#10;Description automatically generated">
             <a:extLst>
               <a:ext uri="{FF2B5EF4-FFF2-40B4-BE49-F238E27FC236}">
-                <a16:creationId xmlns:a16="http://schemas.microsoft.com/office/drawing/2014/main" xmlns="" id="{E024F4B3-469D-4917-9F60-A00C69A4F24D}"/>
+                <a16:creationId xmlns="" xmlns:a16="http://schemas.microsoft.com/office/drawing/2014/main" id="{E024F4B3-469D-4917-9F60-A00C69A4F24D}"/>
               </a:ext>
             </a:extLst>
           </p:cNvPr>
@@ -6320,7 +6320,7 @@
           <p:cNvPr id="2" name="Title 1">
             <a:extLst>
               <a:ext uri="{FF2B5EF4-FFF2-40B4-BE49-F238E27FC236}">
-                <a16:creationId xmlns:a16="http://schemas.microsoft.com/office/drawing/2014/main" xmlns="" id="{4BDEF6FA-4770-4FC6-A635-06878EB741C1}"/>
+                <a16:creationId xmlns="" xmlns:a16="http://schemas.microsoft.com/office/drawing/2014/main" id="{4BDEF6FA-4770-4FC6-A635-06878EB741C1}"/>
               </a:ext>
             </a:extLst>
           </p:cNvPr>
@@ -6363,7 +6363,7 @@
           <p:cNvPr id="5" name="Content Placeholder 4" descr="A close up of a map&#10;&#10;Description automatically generated">
             <a:extLst>
               <a:ext uri="{FF2B5EF4-FFF2-40B4-BE49-F238E27FC236}">
-                <a16:creationId xmlns:a16="http://schemas.microsoft.com/office/drawing/2014/main" xmlns="" id="{E4639449-7866-466E-B5DA-CA19656C4D7A}"/>
+                <a16:creationId xmlns="" xmlns:a16="http://schemas.microsoft.com/office/drawing/2014/main" id="{E4639449-7866-466E-B5DA-CA19656C4D7A}"/>
               </a:ext>
             </a:extLst>
           </p:cNvPr>
@@ -6702,7 +6702,7 @@
       </p:sp>
       <p:pic>
         <p:nvPicPr>
-          <p:cNvPr id="4" name="Content Placeholder 3"/>
+          <p:cNvPr id="5" name="Content Placeholder 4"/>
           <p:cNvPicPr>
             <a:picLocks noGrp="1" noChangeAspect="1"/>
           </p:cNvPicPr>
@@ -6711,21 +6711,18 @@
           </p:nvPr>
         </p:nvPicPr>
         <p:blipFill rotWithShape="1">
-          <a:blip r:embed="rId2">
-            <a:extLst>
-              <a:ext uri="{28A0092B-C50C-407E-A947-70E740481C1C}">
-                <a14:useLocalDpi xmlns:a14="http://schemas.microsoft.com/office/drawing/2010/main" val="0"/>
-              </a:ext>
-            </a:extLst>
-          </a:blip>
-          <a:srcRect l="22721" t="9923" r="1234"/>
+          <a:blip r:embed="rId2"/>
+          <a:srcRect l="15468" t="11056" r="6806" b="8315"/>
           <a:stretch/>
         </p:blipFill>
         <p:spPr>
           <a:xfrm>
-            <a:off x="1377697" y="1682495"/>
-            <a:ext cx="5888736" cy="3652203"/>
+            <a:off x="1341120" y="1743456"/>
+            <a:ext cx="7888224" cy="3794601"/>
           </a:xfrm>
+          <a:prstGeom prst="rect">
+            <a:avLst/>
+          </a:prstGeom>
         </p:spPr>
       </p:pic>
     </p:spTree>
@@ -6900,14 +6897,14 @@
                 <a:gridCol w="2724972">
                   <a:extLst>
                     <a:ext uri="{9D8B030D-6E8A-4147-A177-3AD203B41FA5}">
-                      <a16:colId xmlns:a16="http://schemas.microsoft.com/office/drawing/2014/main" xmlns="" val="20000"/>
+                      <a16:colId xmlns="" xmlns:a16="http://schemas.microsoft.com/office/drawing/2014/main" val="20000"/>
                     </a:ext>
                   </a:extLst>
                 </a:gridCol>
                 <a:gridCol w="7055636">
                   <a:extLst>
                     <a:ext uri="{9D8B030D-6E8A-4147-A177-3AD203B41FA5}">
-                      <a16:colId xmlns:a16="http://schemas.microsoft.com/office/drawing/2014/main" xmlns="" val="20001"/>
+                      <a16:colId xmlns="" xmlns:a16="http://schemas.microsoft.com/office/drawing/2014/main" val="20001"/>
                     </a:ext>
                   </a:extLst>
                 </a:gridCol>
@@ -6979,7 +6976,7 @@
                 </a:tc>
                 <a:extLst>
                   <a:ext uri="{0D108BD9-81ED-4DB2-BD59-A6C34878D82A}">
-                    <a16:rowId xmlns:a16="http://schemas.microsoft.com/office/drawing/2014/main" xmlns="" val="10000"/>
+                    <a16:rowId xmlns="" xmlns:a16="http://schemas.microsoft.com/office/drawing/2014/main" val="10000"/>
                   </a:ext>
                 </a:extLst>
               </a:tr>
@@ -7050,7 +7047,7 @@
                 </a:tc>
                 <a:extLst>
                   <a:ext uri="{0D108BD9-81ED-4DB2-BD59-A6C34878D82A}">
-                    <a16:rowId xmlns:a16="http://schemas.microsoft.com/office/drawing/2014/main" xmlns="" val="10001"/>
+                    <a16:rowId xmlns="" xmlns:a16="http://schemas.microsoft.com/office/drawing/2014/main" val="10001"/>
                   </a:ext>
                 </a:extLst>
               </a:tr>
@@ -7121,7 +7118,7 @@
                 </a:tc>
                 <a:extLst>
                   <a:ext uri="{0D108BD9-81ED-4DB2-BD59-A6C34878D82A}">
-                    <a16:rowId xmlns:a16="http://schemas.microsoft.com/office/drawing/2014/main" xmlns="" val="10002"/>
+                    <a16:rowId xmlns="" xmlns:a16="http://schemas.microsoft.com/office/drawing/2014/main" val="10002"/>
                   </a:ext>
                 </a:extLst>
               </a:tr>
@@ -7214,7 +7211,7 @@
                 </a:tc>
                 <a:extLst>
                   <a:ext uri="{0D108BD9-81ED-4DB2-BD59-A6C34878D82A}">
-                    <a16:rowId xmlns:a16="http://schemas.microsoft.com/office/drawing/2014/main" xmlns="" val="10003"/>
+                    <a16:rowId xmlns="" xmlns:a16="http://schemas.microsoft.com/office/drawing/2014/main" val="10003"/>
                   </a:ext>
                 </a:extLst>
               </a:tr>
@@ -7310,14 +7307,14 @@
                 <a:gridCol w="2627565">
                   <a:extLst>
                     <a:ext uri="{9D8B030D-6E8A-4147-A177-3AD203B41FA5}">
-                      <a16:colId xmlns:a16="http://schemas.microsoft.com/office/drawing/2014/main" xmlns="" val="20000"/>
+                      <a16:colId xmlns="" xmlns:a16="http://schemas.microsoft.com/office/drawing/2014/main" val="20000"/>
                     </a:ext>
                   </a:extLst>
                 </a:gridCol>
                 <a:gridCol w="7900420">
                   <a:extLst>
                     <a:ext uri="{9D8B030D-6E8A-4147-A177-3AD203B41FA5}">
-                      <a16:colId xmlns:a16="http://schemas.microsoft.com/office/drawing/2014/main" xmlns="" val="20001"/>
+                      <a16:colId xmlns="" xmlns:a16="http://schemas.microsoft.com/office/drawing/2014/main" val="20001"/>
                     </a:ext>
                   </a:extLst>
                 </a:gridCol>
@@ -7389,7 +7386,7 @@
                 </a:tc>
                 <a:extLst>
                   <a:ext uri="{0D108BD9-81ED-4DB2-BD59-A6C34878D82A}">
-                    <a16:rowId xmlns:a16="http://schemas.microsoft.com/office/drawing/2014/main" xmlns="" val="10000"/>
+                    <a16:rowId xmlns="" xmlns:a16="http://schemas.microsoft.com/office/drawing/2014/main" val="10000"/>
                   </a:ext>
                 </a:extLst>
               </a:tr>
@@ -7460,7 +7457,7 @@
                 </a:tc>
                 <a:extLst>
                   <a:ext uri="{0D108BD9-81ED-4DB2-BD59-A6C34878D82A}">
-                    <a16:rowId xmlns:a16="http://schemas.microsoft.com/office/drawing/2014/main" xmlns="" val="10001"/>
+                    <a16:rowId xmlns="" xmlns:a16="http://schemas.microsoft.com/office/drawing/2014/main" val="10001"/>
                   </a:ext>
                 </a:extLst>
               </a:tr>
@@ -7531,7 +7528,7 @@
                 </a:tc>
                 <a:extLst>
                   <a:ext uri="{0D108BD9-81ED-4DB2-BD59-A6C34878D82A}">
-                    <a16:rowId xmlns:a16="http://schemas.microsoft.com/office/drawing/2014/main" xmlns="" val="10002"/>
+                    <a16:rowId xmlns="" xmlns:a16="http://schemas.microsoft.com/office/drawing/2014/main" val="10002"/>
                   </a:ext>
                 </a:extLst>
               </a:tr>
@@ -7602,7 +7599,7 @@
                 </a:tc>
                 <a:extLst>
                   <a:ext uri="{0D108BD9-81ED-4DB2-BD59-A6C34878D82A}">
-                    <a16:rowId xmlns:a16="http://schemas.microsoft.com/office/drawing/2014/main" xmlns="" val="10003"/>
+                    <a16:rowId xmlns="" xmlns:a16="http://schemas.microsoft.com/office/drawing/2014/main" val="10003"/>
                   </a:ext>
                 </a:extLst>
               </a:tr>
@@ -7673,7 +7670,7 @@
                 </a:tc>
                 <a:extLst>
                   <a:ext uri="{0D108BD9-81ED-4DB2-BD59-A6C34878D82A}">
-                    <a16:rowId xmlns:a16="http://schemas.microsoft.com/office/drawing/2014/main" xmlns="" val="10004"/>
+                    <a16:rowId xmlns="" xmlns:a16="http://schemas.microsoft.com/office/drawing/2014/main" val="10004"/>
                   </a:ext>
                 </a:extLst>
               </a:tr>
@@ -7744,7 +7741,7 @@
                 </a:tc>
                 <a:extLst>
                   <a:ext uri="{0D108BD9-81ED-4DB2-BD59-A6C34878D82A}">
-                    <a16:rowId xmlns:a16="http://schemas.microsoft.com/office/drawing/2014/main" xmlns="" val="10005"/>
+                    <a16:rowId xmlns="" xmlns:a16="http://schemas.microsoft.com/office/drawing/2014/main" val="10005"/>
                   </a:ext>
                 </a:extLst>
               </a:tr>
@@ -7780,21 +7777,21 @@
                 <a:gridCol w="1159088">
                   <a:extLst>
                     <a:ext uri="{9D8B030D-6E8A-4147-A177-3AD203B41FA5}">
-                      <a16:colId xmlns:a16="http://schemas.microsoft.com/office/drawing/2014/main" xmlns="" val="20000"/>
+                      <a16:colId xmlns="" xmlns:a16="http://schemas.microsoft.com/office/drawing/2014/main" val="20000"/>
                     </a:ext>
                   </a:extLst>
                 </a:gridCol>
                 <a:gridCol w="3510886">
                   <a:extLst>
                     <a:ext uri="{9D8B030D-6E8A-4147-A177-3AD203B41FA5}">
-                      <a16:colId xmlns:a16="http://schemas.microsoft.com/office/drawing/2014/main" xmlns="" val="20001"/>
+                      <a16:colId xmlns="" xmlns:a16="http://schemas.microsoft.com/office/drawing/2014/main" val="20001"/>
                     </a:ext>
                   </a:extLst>
                 </a:gridCol>
                 <a:gridCol w="5818308">
                   <a:extLst>
                     <a:ext uri="{9D8B030D-6E8A-4147-A177-3AD203B41FA5}">
-                      <a16:colId xmlns:a16="http://schemas.microsoft.com/office/drawing/2014/main" xmlns="" val="20002"/>
+                      <a16:colId xmlns="" xmlns:a16="http://schemas.microsoft.com/office/drawing/2014/main" val="20002"/>
                     </a:ext>
                   </a:extLst>
                 </a:gridCol>
@@ -7898,7 +7895,7 @@
                 </a:tc>
                 <a:extLst>
                   <a:ext uri="{0D108BD9-81ED-4DB2-BD59-A6C34878D82A}">
-                    <a16:rowId xmlns:a16="http://schemas.microsoft.com/office/drawing/2014/main" xmlns="" val="10000"/>
+                    <a16:rowId xmlns="" xmlns:a16="http://schemas.microsoft.com/office/drawing/2014/main" val="10000"/>
                   </a:ext>
                 </a:extLst>
               </a:tr>
@@ -8001,7 +7998,7 @@
                 </a:tc>
                 <a:extLst>
                   <a:ext uri="{0D108BD9-81ED-4DB2-BD59-A6C34878D82A}">
-                    <a16:rowId xmlns:a16="http://schemas.microsoft.com/office/drawing/2014/main" xmlns="" val="10001"/>
+                    <a16:rowId xmlns="" xmlns:a16="http://schemas.microsoft.com/office/drawing/2014/main" val="10001"/>
                   </a:ext>
                 </a:extLst>
               </a:tr>
@@ -8104,7 +8101,7 @@
                 </a:tc>
                 <a:extLst>
                   <a:ext uri="{0D108BD9-81ED-4DB2-BD59-A6C34878D82A}">
-                    <a16:rowId xmlns:a16="http://schemas.microsoft.com/office/drawing/2014/main" xmlns="" val="10002"/>
+                    <a16:rowId xmlns="" xmlns:a16="http://schemas.microsoft.com/office/drawing/2014/main" val="10002"/>
                   </a:ext>
                 </a:extLst>
               </a:tr>
@@ -8207,7 +8204,7 @@
                 </a:tc>
                 <a:extLst>
                   <a:ext uri="{0D108BD9-81ED-4DB2-BD59-A6C34878D82A}">
-                    <a16:rowId xmlns:a16="http://schemas.microsoft.com/office/drawing/2014/main" xmlns="" val="10003"/>
+                    <a16:rowId xmlns="" xmlns:a16="http://schemas.microsoft.com/office/drawing/2014/main" val="10003"/>
                   </a:ext>
                 </a:extLst>
               </a:tr>
@@ -8305,7 +8302,7 @@
           <p:cNvPr id="2" name="Title 1">
             <a:extLst>
               <a:ext uri="{FF2B5EF4-FFF2-40B4-BE49-F238E27FC236}">
-                <a16:creationId xmlns:a16="http://schemas.microsoft.com/office/drawing/2014/main" xmlns="" id="{C27109A9-8D84-486A-AD51-B63C3C6BDB5C}"/>
+                <a16:creationId xmlns="" xmlns:a16="http://schemas.microsoft.com/office/drawing/2014/main" id="{C27109A9-8D84-486A-AD51-B63C3C6BDB5C}"/>
               </a:ext>
             </a:extLst>
           </p:cNvPr>
@@ -8340,7 +8337,7 @@
           <p:cNvPr id="4" name="Content Placeholder 3">
             <a:extLst>
               <a:ext uri="{FF2B5EF4-FFF2-40B4-BE49-F238E27FC236}">
-                <a16:creationId xmlns:a16="http://schemas.microsoft.com/office/drawing/2014/main" xmlns="" id="{0111AAB1-A7D6-48C6-B93D-2BF15034E452}"/>
+                <a16:creationId xmlns="" xmlns:a16="http://schemas.microsoft.com/office/drawing/2014/main" id="{0111AAB1-A7D6-48C6-B93D-2BF15034E452}"/>
               </a:ext>
             </a:extLst>
           </p:cNvPr>
@@ -8365,56 +8362,56 @@
                 <a:gridCol w="369962">
                   <a:extLst>
                     <a:ext uri="{9D8B030D-6E8A-4147-A177-3AD203B41FA5}">
-                      <a16:colId xmlns:a16="http://schemas.microsoft.com/office/drawing/2014/main" xmlns="" val="3571866511"/>
+                      <a16:colId xmlns="" xmlns:a16="http://schemas.microsoft.com/office/drawing/2014/main" val="3571866511"/>
                     </a:ext>
                   </a:extLst>
                 </a:gridCol>
                 <a:gridCol w="2799501">
                   <a:extLst>
                     <a:ext uri="{9D8B030D-6E8A-4147-A177-3AD203B41FA5}">
-                      <a16:colId xmlns:a16="http://schemas.microsoft.com/office/drawing/2014/main" xmlns="" val="1421687479"/>
+                      <a16:colId xmlns="" xmlns:a16="http://schemas.microsoft.com/office/drawing/2014/main" val="1421687479"/>
                     </a:ext>
                   </a:extLst>
                 </a:gridCol>
                 <a:gridCol w="2564445">
                   <a:extLst>
                     <a:ext uri="{9D8B030D-6E8A-4147-A177-3AD203B41FA5}">
-                      <a16:colId xmlns:a16="http://schemas.microsoft.com/office/drawing/2014/main" xmlns="" val="3899242390"/>
+                      <a16:colId xmlns="" xmlns:a16="http://schemas.microsoft.com/office/drawing/2014/main" val="3899242390"/>
                     </a:ext>
                   </a:extLst>
                 </a:gridCol>
                 <a:gridCol w="185630">
                   <a:extLst>
                     <a:ext uri="{9D8B030D-6E8A-4147-A177-3AD203B41FA5}">
-                      <a16:colId xmlns:a16="http://schemas.microsoft.com/office/drawing/2014/main" xmlns="" val="2048303212"/>
+                      <a16:colId xmlns="" xmlns:a16="http://schemas.microsoft.com/office/drawing/2014/main" val="2048303212"/>
                     </a:ext>
                   </a:extLst>
                 </a:gridCol>
                 <a:gridCol w="295633">
                   <a:extLst>
                     <a:ext uri="{9D8B030D-6E8A-4147-A177-3AD203B41FA5}">
-                      <a16:colId xmlns:a16="http://schemas.microsoft.com/office/drawing/2014/main" xmlns="" val="746535854"/>
+                      <a16:colId xmlns="" xmlns:a16="http://schemas.microsoft.com/office/drawing/2014/main" val="746535854"/>
                     </a:ext>
                   </a:extLst>
                 </a:gridCol>
                 <a:gridCol w="93980">
                   <a:extLst>
                     <a:ext uri="{9D8B030D-6E8A-4147-A177-3AD203B41FA5}">
-                      <a16:colId xmlns:a16="http://schemas.microsoft.com/office/drawing/2014/main" xmlns="" val="1517551828"/>
+                      <a16:colId xmlns="" xmlns:a16="http://schemas.microsoft.com/office/drawing/2014/main" val="1517551828"/>
                     </a:ext>
                   </a:extLst>
                 </a:gridCol>
                 <a:gridCol w="284155">
                   <a:extLst>
                     <a:ext uri="{9D8B030D-6E8A-4147-A177-3AD203B41FA5}">
-                      <a16:colId xmlns:a16="http://schemas.microsoft.com/office/drawing/2014/main" xmlns="" val="1975296765"/>
+                      <a16:colId xmlns="" xmlns:a16="http://schemas.microsoft.com/office/drawing/2014/main" val="1975296765"/>
                     </a:ext>
                   </a:extLst>
                 </a:gridCol>
                 <a:gridCol w="3730954">
                   <a:extLst>
                     <a:ext uri="{9D8B030D-6E8A-4147-A177-3AD203B41FA5}">
-                      <a16:colId xmlns:a16="http://schemas.microsoft.com/office/drawing/2014/main" xmlns="" val="1563690532"/>
+                      <a16:colId xmlns="" xmlns:a16="http://schemas.microsoft.com/office/drawing/2014/main" val="1563690532"/>
                     </a:ext>
                   </a:extLst>
                 </a:gridCol>
@@ -8684,7 +8681,7 @@
                 </a:tc>
                 <a:extLst>
                   <a:ext uri="{0D108BD9-81ED-4DB2-BD59-A6C34878D82A}">
-                    <a16:rowId xmlns:a16="http://schemas.microsoft.com/office/drawing/2014/main" xmlns="" val="2790610759"/>
+                    <a16:rowId xmlns="" xmlns:a16="http://schemas.microsoft.com/office/drawing/2014/main" val="2790610759"/>
                   </a:ext>
                 </a:extLst>
               </a:tr>
@@ -8777,7 +8774,7 @@
                 </a:tc>
                 <a:extLst>
                   <a:ext uri="{0D108BD9-81ED-4DB2-BD59-A6C34878D82A}">
-                    <a16:rowId xmlns:a16="http://schemas.microsoft.com/office/drawing/2014/main" xmlns="" val="2643930646"/>
+                    <a16:rowId xmlns="" xmlns:a16="http://schemas.microsoft.com/office/drawing/2014/main" val="2643930646"/>
                   </a:ext>
                 </a:extLst>
               </a:tr>
@@ -8991,7 +8988,7 @@
                 </a:tc>
                 <a:extLst>
                   <a:ext uri="{0D108BD9-81ED-4DB2-BD59-A6C34878D82A}">
-                    <a16:rowId xmlns:a16="http://schemas.microsoft.com/office/drawing/2014/main" xmlns="" val="3304438575"/>
+                    <a16:rowId xmlns="" xmlns:a16="http://schemas.microsoft.com/office/drawing/2014/main" val="3304438575"/>
                   </a:ext>
                 </a:extLst>
               </a:tr>
@@ -9217,7 +9214,7 @@
                 </a:tc>
                 <a:extLst>
                   <a:ext uri="{0D108BD9-81ED-4DB2-BD59-A6C34878D82A}">
-                    <a16:rowId xmlns:a16="http://schemas.microsoft.com/office/drawing/2014/main" xmlns="" val="1091830123"/>
+                    <a16:rowId xmlns="" xmlns:a16="http://schemas.microsoft.com/office/drawing/2014/main" val="1091830123"/>
                   </a:ext>
                 </a:extLst>
               </a:tr>
@@ -9431,7 +9428,7 @@
                 </a:tc>
                 <a:extLst>
                   <a:ext uri="{0D108BD9-81ED-4DB2-BD59-A6C34878D82A}">
-                    <a16:rowId xmlns:a16="http://schemas.microsoft.com/office/drawing/2014/main" xmlns="" val="195937988"/>
+                    <a16:rowId xmlns="" xmlns:a16="http://schemas.microsoft.com/office/drawing/2014/main" val="195937988"/>
                   </a:ext>
                 </a:extLst>
               </a:tr>
@@ -9524,7 +9521,7 @@
                 </a:tc>
                 <a:extLst>
                   <a:ext uri="{0D108BD9-81ED-4DB2-BD59-A6C34878D82A}">
-                    <a16:rowId xmlns:a16="http://schemas.microsoft.com/office/drawing/2014/main" xmlns="" val="4166280157"/>
+                    <a16:rowId xmlns="" xmlns:a16="http://schemas.microsoft.com/office/drawing/2014/main" val="4166280157"/>
                   </a:ext>
                 </a:extLst>
               </a:tr>
@@ -9763,7 +9760,7 @@
                 </a:tc>
                 <a:extLst>
                   <a:ext uri="{0D108BD9-81ED-4DB2-BD59-A6C34878D82A}">
-                    <a16:rowId xmlns:a16="http://schemas.microsoft.com/office/drawing/2014/main" xmlns="" val="1405325198"/>
+                    <a16:rowId xmlns="" xmlns:a16="http://schemas.microsoft.com/office/drawing/2014/main" val="1405325198"/>
                   </a:ext>
                 </a:extLst>
               </a:tr>
@@ -10002,7 +9999,7 @@
                 </a:tc>
                 <a:extLst>
                   <a:ext uri="{0D108BD9-81ED-4DB2-BD59-A6C34878D82A}">
-                    <a16:rowId xmlns:a16="http://schemas.microsoft.com/office/drawing/2014/main" xmlns="" val="2816664006"/>
+                    <a16:rowId xmlns="" xmlns:a16="http://schemas.microsoft.com/office/drawing/2014/main" val="2816664006"/>
                   </a:ext>
                 </a:extLst>
               </a:tr>
@@ -10095,7 +10092,7 @@
                 </a:tc>
                 <a:extLst>
                   <a:ext uri="{0D108BD9-81ED-4DB2-BD59-A6C34878D82A}">
-                    <a16:rowId xmlns:a16="http://schemas.microsoft.com/office/drawing/2014/main" xmlns="" val="3466216339"/>
+                    <a16:rowId xmlns="" xmlns:a16="http://schemas.microsoft.com/office/drawing/2014/main" val="3466216339"/>
                   </a:ext>
                 </a:extLst>
               </a:tr>
@@ -10334,7 +10331,7 @@
                 </a:tc>
                 <a:extLst>
                   <a:ext uri="{0D108BD9-81ED-4DB2-BD59-A6C34878D82A}">
-                    <a16:rowId xmlns:a16="http://schemas.microsoft.com/office/drawing/2014/main" xmlns="" val="3192613793"/>
+                    <a16:rowId xmlns="" xmlns:a16="http://schemas.microsoft.com/office/drawing/2014/main" val="3192613793"/>
                   </a:ext>
                 </a:extLst>
               </a:tr>
@@ -10573,7 +10570,7 @@
                 </a:tc>
                 <a:extLst>
                   <a:ext uri="{0D108BD9-81ED-4DB2-BD59-A6C34878D82A}">
-                    <a16:rowId xmlns:a16="http://schemas.microsoft.com/office/drawing/2014/main" xmlns="" val="1937383606"/>
+                    <a16:rowId xmlns="" xmlns:a16="http://schemas.microsoft.com/office/drawing/2014/main" val="1937383606"/>
                   </a:ext>
                 </a:extLst>
               </a:tr>
@@ -10812,7 +10809,7 @@
                 </a:tc>
                 <a:extLst>
                   <a:ext uri="{0D108BD9-81ED-4DB2-BD59-A6C34878D82A}">
-                    <a16:rowId xmlns:a16="http://schemas.microsoft.com/office/drawing/2014/main" xmlns="" val="3994458559"/>
+                    <a16:rowId xmlns="" xmlns:a16="http://schemas.microsoft.com/office/drawing/2014/main" val="3994458559"/>
                   </a:ext>
                 </a:extLst>
               </a:tr>
@@ -10885,7 +10882,7 @@
           <p:cNvPr id="5" name="Content Placeholder 4">
             <a:extLst>
               <a:ext uri="{FF2B5EF4-FFF2-40B4-BE49-F238E27FC236}">
-                <a16:creationId xmlns:a16="http://schemas.microsoft.com/office/drawing/2014/main" xmlns="" id="{6BEF5C33-2C1C-4462-BF56-BF3F99F3356F}"/>
+                <a16:creationId xmlns="" xmlns:a16="http://schemas.microsoft.com/office/drawing/2014/main" id="{6BEF5C33-2C1C-4462-BF56-BF3F99F3356F}"/>
               </a:ext>
             </a:extLst>
           </p:cNvPr>
@@ -11140,14 +11137,14 @@
                 <a:gridCol w="5216968">
                   <a:extLst>
                     <a:ext uri="{9D8B030D-6E8A-4147-A177-3AD203B41FA5}">
-                      <a16:colId xmlns:a16="http://schemas.microsoft.com/office/drawing/2014/main" xmlns="" val="20000"/>
+                      <a16:colId xmlns="" xmlns:a16="http://schemas.microsoft.com/office/drawing/2014/main" val="20000"/>
                     </a:ext>
                   </a:extLst>
                 </a:gridCol>
                 <a:gridCol w="5216968">
                   <a:extLst>
                     <a:ext uri="{9D8B030D-6E8A-4147-A177-3AD203B41FA5}">
-                      <a16:colId xmlns:a16="http://schemas.microsoft.com/office/drawing/2014/main" xmlns="" val="20001"/>
+                      <a16:colId xmlns="" xmlns:a16="http://schemas.microsoft.com/office/drawing/2014/main" val="20001"/>
                     </a:ext>
                   </a:extLst>
                 </a:gridCol>
@@ -11225,7 +11222,7 @@
                 </a:tc>
                 <a:extLst>
                   <a:ext uri="{0D108BD9-81ED-4DB2-BD59-A6C34878D82A}">
-                    <a16:rowId xmlns:a16="http://schemas.microsoft.com/office/drawing/2014/main" xmlns="" val="10000"/>
+                    <a16:rowId xmlns="" xmlns:a16="http://schemas.microsoft.com/office/drawing/2014/main" val="10000"/>
                   </a:ext>
                 </a:extLst>
               </a:tr>
@@ -11345,7 +11342,7 @@
                 </a:tc>
                 <a:extLst>
                   <a:ext uri="{0D108BD9-81ED-4DB2-BD59-A6C34878D82A}">
-                    <a16:rowId xmlns:a16="http://schemas.microsoft.com/office/drawing/2014/main" xmlns="" val="10001"/>
+                    <a16:rowId xmlns="" xmlns:a16="http://schemas.microsoft.com/office/drawing/2014/main" val="10001"/>
                   </a:ext>
                 </a:extLst>
               </a:tr>
@@ -11555,14 +11552,14 @@
                 <a:gridCol w="3316957">
                   <a:extLst>
                     <a:ext uri="{9D8B030D-6E8A-4147-A177-3AD203B41FA5}">
-                      <a16:colId xmlns:a16="http://schemas.microsoft.com/office/drawing/2014/main" xmlns="" val="20000"/>
+                      <a16:colId xmlns="" xmlns:a16="http://schemas.microsoft.com/office/drawing/2014/main" val="20000"/>
                     </a:ext>
                   </a:extLst>
                 </a:gridCol>
                 <a:gridCol w="7116979">
                   <a:extLst>
                     <a:ext uri="{9D8B030D-6E8A-4147-A177-3AD203B41FA5}">
-                      <a16:colId xmlns:a16="http://schemas.microsoft.com/office/drawing/2014/main" xmlns="" val="20001"/>
+                      <a16:colId xmlns="" xmlns:a16="http://schemas.microsoft.com/office/drawing/2014/main" val="20001"/>
                     </a:ext>
                   </a:extLst>
                 </a:gridCol>
@@ -11640,7 +11637,7 @@
                 </a:tc>
                 <a:extLst>
                   <a:ext uri="{0D108BD9-81ED-4DB2-BD59-A6C34878D82A}">
-                    <a16:rowId xmlns:a16="http://schemas.microsoft.com/office/drawing/2014/main" xmlns="" val="10000"/>
+                    <a16:rowId xmlns="" xmlns:a16="http://schemas.microsoft.com/office/drawing/2014/main" val="10000"/>
                   </a:ext>
                 </a:extLst>
               </a:tr>
@@ -11753,7 +11750,7 @@
                 </a:tc>
                 <a:extLst>
                   <a:ext uri="{0D108BD9-81ED-4DB2-BD59-A6C34878D82A}">
-                    <a16:rowId xmlns:a16="http://schemas.microsoft.com/office/drawing/2014/main" xmlns="" val="10001"/>
+                    <a16:rowId xmlns="" xmlns:a16="http://schemas.microsoft.com/office/drawing/2014/main" val="10001"/>
                   </a:ext>
                 </a:extLst>
               </a:tr>

--- a/Online Car Rental System presentation v2.pptx
+++ b/Online Car Rental System presentation v2.pptx
@@ -25,6 +25,7 @@
     <p:sldId id="274" r:id="rId19"/>
     <p:sldId id="277" r:id="rId20"/>
     <p:sldId id="278" r:id="rId21"/>
+    <p:sldId id="279" r:id="rId22"/>
   </p:sldIdLst>
   <p:sldSz cx="12192000" cy="6858000"/>
   <p:notesSz cx="6858000" cy="9144000"/>
@@ -6738,6 +6739,85 @@
 </p:sld>
 </file>
 
+<file path=ppt/slides/slide21.xml><?xml version="1.0" encoding="utf-8"?>
+<p:sld xmlns:a="http://schemas.openxmlformats.org/drawingml/2006/main" xmlns:r="http://schemas.openxmlformats.org/officeDocument/2006/relationships" xmlns:p="http://schemas.openxmlformats.org/presentationml/2006/main">
+  <p:cSld>
+    <p:spTree>
+      <p:nvGrpSpPr>
+        <p:cNvPr id="1" name=""/>
+        <p:cNvGrpSpPr/>
+        <p:nvPr/>
+      </p:nvGrpSpPr>
+      <p:grpSpPr>
+        <a:xfrm>
+          <a:off x="0" y="0"/>
+          <a:ext cx="0" cy="0"/>
+          <a:chOff x="0" y="0"/>
+          <a:chExt cx="0" cy="0"/>
+        </a:xfrm>
+      </p:grpSpPr>
+      <p:sp>
+        <p:nvSpPr>
+          <p:cNvPr id="2" name="Title 1"/>
+          <p:cNvSpPr>
+            <a:spLocks noGrp="1"/>
+          </p:cNvSpPr>
+          <p:nvPr>
+            <p:ph type="title"/>
+          </p:nvPr>
+        </p:nvSpPr>
+        <p:spPr/>
+        <p:txBody>
+          <a:bodyPr/>
+          <a:lstStyle/>
+          <a:p>
+            <a:r>
+              <a:rPr lang="en-US" dirty="0" smtClean="0"/>
+              <a:t>Class Diagram</a:t>
+            </a:r>
+            <a:endParaRPr lang="en-US" dirty="0"/>
+          </a:p>
+        </p:txBody>
+      </p:sp>
+      <p:pic>
+        <p:nvPicPr>
+          <p:cNvPr id="4" name="Content Placeholder 3"/>
+          <p:cNvPicPr>
+            <a:picLocks noGrp="1" noChangeAspect="1"/>
+          </p:cNvPicPr>
+          <p:nvPr>
+            <p:ph idx="1"/>
+          </p:nvPr>
+        </p:nvPicPr>
+        <p:blipFill>
+          <a:blip r:embed="rId2"/>
+          <a:stretch>
+            <a:fillRect/>
+          </a:stretch>
+        </p:blipFill>
+        <p:spPr>
+          <a:xfrm>
+            <a:off x="1069849" y="1475232"/>
+            <a:ext cx="8644064" cy="4974336"/>
+          </a:xfrm>
+          <a:prstGeom prst="rect">
+            <a:avLst/>
+          </a:prstGeom>
+        </p:spPr>
+      </p:pic>
+    </p:spTree>
+    <p:extLst>
+      <p:ext uri="{BB962C8B-B14F-4D97-AF65-F5344CB8AC3E}">
+        <p14:creationId xmlns:p14="http://schemas.microsoft.com/office/powerpoint/2010/main" val="521324698"/>
+      </p:ext>
+    </p:extLst>
+  </p:cSld>
+  <p:clrMapOvr>
+    <a:masterClrMapping/>
+  </p:clrMapOvr>
+</p:sld>
+</file>
+
 <file path=ppt/slides/slide3.xml><?xml version="1.0" encoding="utf-8"?>
 <p:sld xmlns:a="http://schemas.openxmlformats.org/drawingml/2006/main" xmlns:r="http://schemas.openxmlformats.org/officeDocument/2006/relationships" xmlns:p="http://schemas.openxmlformats.org/presentationml/2006/main">
   <p:cSld>

--- a/Online Car Rental System presentation v2.pptx
+++ b/Online Car Rental System presentation v2.pptx
@@ -4288,14 +4288,14 @@
                 <a:gridCol w="5216968">
                   <a:extLst>
                     <a:ext uri="{9D8B030D-6E8A-4147-A177-3AD203B41FA5}">
-                      <a16:colId xmlns="" xmlns:a16="http://schemas.microsoft.com/office/drawing/2014/main" val="20000"/>
+                      <a16:colId xmlns:a16="http://schemas.microsoft.com/office/drawing/2014/main" xmlns="" val="20000"/>
                     </a:ext>
                   </a:extLst>
                 </a:gridCol>
                 <a:gridCol w="5216968">
                   <a:extLst>
                     <a:ext uri="{9D8B030D-6E8A-4147-A177-3AD203B41FA5}">
-                      <a16:colId xmlns="" xmlns:a16="http://schemas.microsoft.com/office/drawing/2014/main" val="20001"/>
+                      <a16:colId xmlns:a16="http://schemas.microsoft.com/office/drawing/2014/main" xmlns="" val="20001"/>
                     </a:ext>
                   </a:extLst>
                 </a:gridCol>
@@ -4373,7 +4373,7 @@
                 </a:tc>
                 <a:extLst>
                   <a:ext uri="{0D108BD9-81ED-4DB2-BD59-A6C34878D82A}">
-                    <a16:rowId xmlns="" xmlns:a16="http://schemas.microsoft.com/office/drawing/2014/main" val="10000"/>
+                    <a16:rowId xmlns:a16="http://schemas.microsoft.com/office/drawing/2014/main" xmlns="" val="10000"/>
                   </a:ext>
                 </a:extLst>
               </a:tr>
@@ -4462,7 +4462,7 @@
                 </a:tc>
                 <a:extLst>
                   <a:ext uri="{0D108BD9-81ED-4DB2-BD59-A6C34878D82A}">
-                    <a16:rowId xmlns="" xmlns:a16="http://schemas.microsoft.com/office/drawing/2014/main" val="10001"/>
+                    <a16:rowId xmlns:a16="http://schemas.microsoft.com/office/drawing/2014/main" xmlns="" val="10001"/>
                   </a:ext>
                 </a:extLst>
               </a:tr>
@@ -4694,14 +4694,14 @@
                 <a:gridCol w="3365629">
                   <a:extLst>
                     <a:ext uri="{9D8B030D-6E8A-4147-A177-3AD203B41FA5}">
-                      <a16:colId xmlns="" xmlns:a16="http://schemas.microsoft.com/office/drawing/2014/main" val="20000"/>
+                      <a16:colId xmlns:a16="http://schemas.microsoft.com/office/drawing/2014/main" xmlns="" val="20000"/>
                     </a:ext>
                   </a:extLst>
                 </a:gridCol>
                 <a:gridCol w="7258478">
                   <a:extLst>
                     <a:ext uri="{9D8B030D-6E8A-4147-A177-3AD203B41FA5}">
-                      <a16:colId xmlns="" xmlns:a16="http://schemas.microsoft.com/office/drawing/2014/main" val="20001"/>
+                      <a16:colId xmlns:a16="http://schemas.microsoft.com/office/drawing/2014/main" xmlns="" val="20001"/>
                     </a:ext>
                   </a:extLst>
                 </a:gridCol>
@@ -4779,7 +4779,7 @@
                 </a:tc>
                 <a:extLst>
                   <a:ext uri="{0D108BD9-81ED-4DB2-BD59-A6C34878D82A}">
-                    <a16:rowId xmlns="" xmlns:a16="http://schemas.microsoft.com/office/drawing/2014/main" val="10000"/>
+                    <a16:rowId xmlns:a16="http://schemas.microsoft.com/office/drawing/2014/main" xmlns="" val="10000"/>
                   </a:ext>
                 </a:extLst>
               </a:tr>
@@ -4930,7 +4930,7 @@
                 </a:tc>
                 <a:extLst>
                   <a:ext uri="{0D108BD9-81ED-4DB2-BD59-A6C34878D82A}">
-                    <a16:rowId xmlns="" xmlns:a16="http://schemas.microsoft.com/office/drawing/2014/main" val="10001"/>
+                    <a16:rowId xmlns:a16="http://schemas.microsoft.com/office/drawing/2014/main" xmlns="" val="10001"/>
                   </a:ext>
                 </a:extLst>
               </a:tr>
@@ -5111,7 +5111,7 @@
                 </a:tc>
                 <a:extLst>
                   <a:ext uri="{0D108BD9-81ED-4DB2-BD59-A6C34878D82A}">
-                    <a16:rowId xmlns="" xmlns:a16="http://schemas.microsoft.com/office/drawing/2014/main" val="10002"/>
+                    <a16:rowId xmlns:a16="http://schemas.microsoft.com/office/drawing/2014/main" xmlns="" val="10002"/>
                   </a:ext>
                 </a:extLst>
               </a:tr>
@@ -5296,14 +5296,14 @@
                 <a:gridCol w="3450929">
                   <a:extLst>
                     <a:ext uri="{9D8B030D-6E8A-4147-A177-3AD203B41FA5}">
-                      <a16:colId xmlns="" xmlns:a16="http://schemas.microsoft.com/office/drawing/2014/main" val="20000"/>
+                      <a16:colId xmlns:a16="http://schemas.microsoft.com/office/drawing/2014/main" xmlns="" val="20000"/>
                     </a:ext>
                   </a:extLst>
                 </a:gridCol>
                 <a:gridCol w="6983007">
                   <a:extLst>
                     <a:ext uri="{9D8B030D-6E8A-4147-A177-3AD203B41FA5}">
-                      <a16:colId xmlns="" xmlns:a16="http://schemas.microsoft.com/office/drawing/2014/main" val="20001"/>
+                      <a16:colId xmlns:a16="http://schemas.microsoft.com/office/drawing/2014/main" xmlns="" val="20001"/>
                     </a:ext>
                   </a:extLst>
                 </a:gridCol>
@@ -5383,7 +5383,7 @@
                 </a:tc>
                 <a:extLst>
                   <a:ext uri="{0D108BD9-81ED-4DB2-BD59-A6C34878D82A}">
-                    <a16:rowId xmlns="" xmlns:a16="http://schemas.microsoft.com/office/drawing/2014/main" val="10000"/>
+                    <a16:rowId xmlns:a16="http://schemas.microsoft.com/office/drawing/2014/main" xmlns="" val="10000"/>
                   </a:ext>
                 </a:extLst>
               </a:tr>
@@ -5576,7 +5576,7 @@
                 </a:tc>
                 <a:extLst>
                   <a:ext uri="{0D108BD9-81ED-4DB2-BD59-A6C34878D82A}">
-                    <a16:rowId xmlns="" xmlns:a16="http://schemas.microsoft.com/office/drawing/2014/main" val="10001"/>
+                    <a16:rowId xmlns:a16="http://schemas.microsoft.com/office/drawing/2014/main" xmlns="" val="10001"/>
                   </a:ext>
                 </a:extLst>
               </a:tr>
@@ -5757,7 +5757,7 @@
                 </a:tc>
                 <a:extLst>
                   <a:ext uri="{0D108BD9-81ED-4DB2-BD59-A6C34878D82A}">
-                    <a16:rowId xmlns="" xmlns:a16="http://schemas.microsoft.com/office/drawing/2014/main" val="10002"/>
+                    <a16:rowId xmlns:a16="http://schemas.microsoft.com/office/drawing/2014/main" xmlns="" val="10002"/>
                   </a:ext>
                 </a:extLst>
               </a:tr>
@@ -5913,7 +5913,7 @@
           <p:cNvPr id="2" name="Title 1">
             <a:extLst>
               <a:ext uri="{FF2B5EF4-FFF2-40B4-BE49-F238E27FC236}">
-                <a16:creationId xmlns="" xmlns:a16="http://schemas.microsoft.com/office/drawing/2014/main" id="{4EEC2E0C-F73F-4C5B-83E3-0A2A48AF01ED}"/>
+                <a16:creationId xmlns:a16="http://schemas.microsoft.com/office/drawing/2014/main" xmlns="" id="{4EEC2E0C-F73F-4C5B-83E3-0A2A48AF01ED}"/>
               </a:ext>
             </a:extLst>
           </p:cNvPr>
@@ -5948,7 +5948,7 @@
           <p:cNvPr id="5" name="Content Placeholder 4" descr="A close up of a map&#10;&#10;Description automatically generated">
             <a:extLst>
               <a:ext uri="{FF2B5EF4-FFF2-40B4-BE49-F238E27FC236}">
-                <a16:creationId xmlns="" xmlns:a16="http://schemas.microsoft.com/office/drawing/2014/main" id="{6CA20D7A-971B-4706-975C-390C752AF709}"/>
+                <a16:creationId xmlns:a16="http://schemas.microsoft.com/office/drawing/2014/main" xmlns="" id="{6CA20D7A-971B-4706-975C-390C752AF709}"/>
               </a:ext>
             </a:extLst>
           </p:cNvPr>
@@ -6007,7 +6007,7 @@
           <p:cNvPr id="2" name="Title 1">
             <a:extLst>
               <a:ext uri="{FF2B5EF4-FFF2-40B4-BE49-F238E27FC236}">
-                <a16:creationId xmlns="" xmlns:a16="http://schemas.microsoft.com/office/drawing/2014/main" id="{D01D6F5C-1424-4873-A38F-4620227219EE}"/>
+                <a16:creationId xmlns:a16="http://schemas.microsoft.com/office/drawing/2014/main" xmlns="" id="{D01D6F5C-1424-4873-A38F-4620227219EE}"/>
               </a:ext>
             </a:extLst>
           </p:cNvPr>
@@ -6058,7 +6058,7 @@
           <p:cNvPr id="5" name="Content Placeholder 4" descr="A close up of a map&#10;&#10;Description automatically generated">
             <a:extLst>
               <a:ext uri="{FF2B5EF4-FFF2-40B4-BE49-F238E27FC236}">
-                <a16:creationId xmlns="" xmlns:a16="http://schemas.microsoft.com/office/drawing/2014/main" id="{C98D7A44-4395-4509-B3BB-709EAE79D391}"/>
+                <a16:creationId xmlns:a16="http://schemas.microsoft.com/office/drawing/2014/main" xmlns="" id="{C98D7A44-4395-4509-B3BB-709EAE79D391}"/>
               </a:ext>
             </a:extLst>
           </p:cNvPr>
@@ -6117,7 +6117,7 @@
           <p:cNvPr id="2" name="Title 1">
             <a:extLst>
               <a:ext uri="{FF2B5EF4-FFF2-40B4-BE49-F238E27FC236}">
-                <a16:creationId xmlns="" xmlns:a16="http://schemas.microsoft.com/office/drawing/2014/main" id="{EE6EC4DB-CC0B-4B98-97AB-786A01B52965}"/>
+                <a16:creationId xmlns:a16="http://schemas.microsoft.com/office/drawing/2014/main" xmlns="" id="{EE6EC4DB-CC0B-4B98-97AB-786A01B52965}"/>
               </a:ext>
             </a:extLst>
           </p:cNvPr>
@@ -6160,7 +6160,7 @@
           <p:cNvPr id="5" name="Content Placeholder 4" descr="A close up of a map&#10;&#10;Description automatically generated">
             <a:extLst>
               <a:ext uri="{FF2B5EF4-FFF2-40B4-BE49-F238E27FC236}">
-                <a16:creationId xmlns="" xmlns:a16="http://schemas.microsoft.com/office/drawing/2014/main" id="{9BE09307-68BB-40A1-B103-E3789CF52762}"/>
+                <a16:creationId xmlns:a16="http://schemas.microsoft.com/office/drawing/2014/main" xmlns="" id="{9BE09307-68BB-40A1-B103-E3789CF52762}"/>
               </a:ext>
             </a:extLst>
           </p:cNvPr>
@@ -6219,7 +6219,7 @@
           <p:cNvPr id="2" name="Title 1">
             <a:extLst>
               <a:ext uri="{FF2B5EF4-FFF2-40B4-BE49-F238E27FC236}">
-                <a16:creationId xmlns="" xmlns:a16="http://schemas.microsoft.com/office/drawing/2014/main" id="{14A0F59C-87AE-479C-ACF9-6205AA56A33D}"/>
+                <a16:creationId xmlns:a16="http://schemas.microsoft.com/office/drawing/2014/main" xmlns="" id="{14A0F59C-87AE-479C-ACF9-6205AA56A33D}"/>
               </a:ext>
             </a:extLst>
           </p:cNvPr>
@@ -6262,7 +6262,7 @@
           <p:cNvPr id="5" name="Content Placeholder 4" descr="A close up of a map&#10;&#10;Description automatically generated">
             <a:extLst>
               <a:ext uri="{FF2B5EF4-FFF2-40B4-BE49-F238E27FC236}">
-                <a16:creationId xmlns="" xmlns:a16="http://schemas.microsoft.com/office/drawing/2014/main" id="{E024F4B3-469D-4917-9F60-A00C69A4F24D}"/>
+                <a16:creationId xmlns:a16="http://schemas.microsoft.com/office/drawing/2014/main" xmlns="" id="{E024F4B3-469D-4917-9F60-A00C69A4F24D}"/>
               </a:ext>
             </a:extLst>
           </p:cNvPr>
@@ -6321,7 +6321,7 @@
           <p:cNvPr id="2" name="Title 1">
             <a:extLst>
               <a:ext uri="{FF2B5EF4-FFF2-40B4-BE49-F238E27FC236}">
-                <a16:creationId xmlns="" xmlns:a16="http://schemas.microsoft.com/office/drawing/2014/main" id="{4BDEF6FA-4770-4FC6-A635-06878EB741C1}"/>
+                <a16:creationId xmlns:a16="http://schemas.microsoft.com/office/drawing/2014/main" xmlns="" id="{4BDEF6FA-4770-4FC6-A635-06878EB741C1}"/>
               </a:ext>
             </a:extLst>
           </p:cNvPr>
@@ -6364,7 +6364,7 @@
           <p:cNvPr id="5" name="Content Placeholder 4" descr="A close up of a map&#10;&#10;Description automatically generated">
             <a:extLst>
               <a:ext uri="{FF2B5EF4-FFF2-40B4-BE49-F238E27FC236}">
-                <a16:creationId xmlns="" xmlns:a16="http://schemas.microsoft.com/office/drawing/2014/main" id="{E4639449-7866-466E-B5DA-CA19656C4D7A}"/>
+                <a16:creationId xmlns:a16="http://schemas.microsoft.com/office/drawing/2014/main" xmlns="" id="{E4639449-7866-466E-B5DA-CA19656C4D7A}"/>
               </a:ext>
             </a:extLst>
           </p:cNvPr>
@@ -6797,7 +6797,7 @@
         </p:blipFill>
         <p:spPr>
           <a:xfrm>
-            <a:off x="1069849" y="1475232"/>
+            <a:off x="1069848" y="1883664"/>
             <a:ext cx="8644064" cy="4974336"/>
           </a:xfrm>
           <a:prstGeom prst="rect">
@@ -6977,14 +6977,14 @@
                 <a:gridCol w="2724972">
                   <a:extLst>
                     <a:ext uri="{9D8B030D-6E8A-4147-A177-3AD203B41FA5}">
-                      <a16:colId xmlns="" xmlns:a16="http://schemas.microsoft.com/office/drawing/2014/main" val="20000"/>
+                      <a16:colId xmlns:a16="http://schemas.microsoft.com/office/drawing/2014/main" xmlns="" val="20000"/>
                     </a:ext>
                   </a:extLst>
                 </a:gridCol>
                 <a:gridCol w="7055636">
                   <a:extLst>
                     <a:ext uri="{9D8B030D-6E8A-4147-A177-3AD203B41FA5}">
-                      <a16:colId xmlns="" xmlns:a16="http://schemas.microsoft.com/office/drawing/2014/main" val="20001"/>
+                      <a16:colId xmlns:a16="http://schemas.microsoft.com/office/drawing/2014/main" xmlns="" val="20001"/>
                     </a:ext>
                   </a:extLst>
                 </a:gridCol>
@@ -7056,7 +7056,7 @@
                 </a:tc>
                 <a:extLst>
                   <a:ext uri="{0D108BD9-81ED-4DB2-BD59-A6C34878D82A}">
-                    <a16:rowId xmlns="" xmlns:a16="http://schemas.microsoft.com/office/drawing/2014/main" val="10000"/>
+                    <a16:rowId xmlns:a16="http://schemas.microsoft.com/office/drawing/2014/main" xmlns="" val="10000"/>
                   </a:ext>
                 </a:extLst>
               </a:tr>
@@ -7127,7 +7127,7 @@
                 </a:tc>
                 <a:extLst>
                   <a:ext uri="{0D108BD9-81ED-4DB2-BD59-A6C34878D82A}">
-                    <a16:rowId xmlns="" xmlns:a16="http://schemas.microsoft.com/office/drawing/2014/main" val="10001"/>
+                    <a16:rowId xmlns:a16="http://schemas.microsoft.com/office/drawing/2014/main" xmlns="" val="10001"/>
                   </a:ext>
                 </a:extLst>
               </a:tr>
@@ -7198,7 +7198,7 @@
                 </a:tc>
                 <a:extLst>
                   <a:ext uri="{0D108BD9-81ED-4DB2-BD59-A6C34878D82A}">
-                    <a16:rowId xmlns="" xmlns:a16="http://schemas.microsoft.com/office/drawing/2014/main" val="10002"/>
+                    <a16:rowId xmlns:a16="http://schemas.microsoft.com/office/drawing/2014/main" xmlns="" val="10002"/>
                   </a:ext>
                 </a:extLst>
               </a:tr>
@@ -7291,7 +7291,7 @@
                 </a:tc>
                 <a:extLst>
                   <a:ext uri="{0D108BD9-81ED-4DB2-BD59-A6C34878D82A}">
-                    <a16:rowId xmlns="" xmlns:a16="http://schemas.microsoft.com/office/drawing/2014/main" val="10003"/>
+                    <a16:rowId xmlns:a16="http://schemas.microsoft.com/office/drawing/2014/main" xmlns="" val="10003"/>
                   </a:ext>
                 </a:extLst>
               </a:tr>
@@ -7387,14 +7387,14 @@
                 <a:gridCol w="2627565">
                   <a:extLst>
                     <a:ext uri="{9D8B030D-6E8A-4147-A177-3AD203B41FA5}">
-                      <a16:colId xmlns="" xmlns:a16="http://schemas.microsoft.com/office/drawing/2014/main" val="20000"/>
+                      <a16:colId xmlns:a16="http://schemas.microsoft.com/office/drawing/2014/main" xmlns="" val="20000"/>
                     </a:ext>
                   </a:extLst>
                 </a:gridCol>
                 <a:gridCol w="7900420">
                   <a:extLst>
                     <a:ext uri="{9D8B030D-6E8A-4147-A177-3AD203B41FA5}">
-                      <a16:colId xmlns="" xmlns:a16="http://schemas.microsoft.com/office/drawing/2014/main" val="20001"/>
+                      <a16:colId xmlns:a16="http://schemas.microsoft.com/office/drawing/2014/main" xmlns="" val="20001"/>
                     </a:ext>
                   </a:extLst>
                 </a:gridCol>
@@ -7466,7 +7466,7 @@
                 </a:tc>
                 <a:extLst>
                   <a:ext uri="{0D108BD9-81ED-4DB2-BD59-A6C34878D82A}">
-                    <a16:rowId xmlns="" xmlns:a16="http://schemas.microsoft.com/office/drawing/2014/main" val="10000"/>
+                    <a16:rowId xmlns:a16="http://schemas.microsoft.com/office/drawing/2014/main" xmlns="" val="10000"/>
                   </a:ext>
                 </a:extLst>
               </a:tr>
@@ -7537,7 +7537,7 @@
                 </a:tc>
                 <a:extLst>
                   <a:ext uri="{0D108BD9-81ED-4DB2-BD59-A6C34878D82A}">
-                    <a16:rowId xmlns="" xmlns:a16="http://schemas.microsoft.com/office/drawing/2014/main" val="10001"/>
+                    <a16:rowId xmlns:a16="http://schemas.microsoft.com/office/drawing/2014/main" xmlns="" val="10001"/>
                   </a:ext>
                 </a:extLst>
               </a:tr>
@@ -7608,7 +7608,7 @@
                 </a:tc>
                 <a:extLst>
                   <a:ext uri="{0D108BD9-81ED-4DB2-BD59-A6C34878D82A}">
-                    <a16:rowId xmlns="" xmlns:a16="http://schemas.microsoft.com/office/drawing/2014/main" val="10002"/>
+                    <a16:rowId xmlns:a16="http://schemas.microsoft.com/office/drawing/2014/main" xmlns="" val="10002"/>
                   </a:ext>
                 </a:extLst>
               </a:tr>
@@ -7679,7 +7679,7 @@
                 </a:tc>
                 <a:extLst>
                   <a:ext uri="{0D108BD9-81ED-4DB2-BD59-A6C34878D82A}">
-                    <a16:rowId xmlns="" xmlns:a16="http://schemas.microsoft.com/office/drawing/2014/main" val="10003"/>
+                    <a16:rowId xmlns:a16="http://schemas.microsoft.com/office/drawing/2014/main" xmlns="" val="10003"/>
                   </a:ext>
                 </a:extLst>
               </a:tr>
@@ -7750,7 +7750,7 @@
                 </a:tc>
                 <a:extLst>
                   <a:ext uri="{0D108BD9-81ED-4DB2-BD59-A6C34878D82A}">
-                    <a16:rowId xmlns="" xmlns:a16="http://schemas.microsoft.com/office/drawing/2014/main" val="10004"/>
+                    <a16:rowId xmlns:a16="http://schemas.microsoft.com/office/drawing/2014/main" xmlns="" val="10004"/>
                   </a:ext>
                 </a:extLst>
               </a:tr>
@@ -7821,7 +7821,7 @@
                 </a:tc>
                 <a:extLst>
                   <a:ext uri="{0D108BD9-81ED-4DB2-BD59-A6C34878D82A}">
-                    <a16:rowId xmlns="" xmlns:a16="http://schemas.microsoft.com/office/drawing/2014/main" val="10005"/>
+                    <a16:rowId xmlns:a16="http://schemas.microsoft.com/office/drawing/2014/main" xmlns="" val="10005"/>
                   </a:ext>
                 </a:extLst>
               </a:tr>
@@ -7857,21 +7857,21 @@
                 <a:gridCol w="1159088">
                   <a:extLst>
                     <a:ext uri="{9D8B030D-6E8A-4147-A177-3AD203B41FA5}">
-                      <a16:colId xmlns="" xmlns:a16="http://schemas.microsoft.com/office/drawing/2014/main" val="20000"/>
+                      <a16:colId xmlns:a16="http://schemas.microsoft.com/office/drawing/2014/main" xmlns="" val="20000"/>
                     </a:ext>
                   </a:extLst>
                 </a:gridCol>
                 <a:gridCol w="3510886">
                   <a:extLst>
                     <a:ext uri="{9D8B030D-6E8A-4147-A177-3AD203B41FA5}">
-                      <a16:colId xmlns="" xmlns:a16="http://schemas.microsoft.com/office/drawing/2014/main" val="20001"/>
+                      <a16:colId xmlns:a16="http://schemas.microsoft.com/office/drawing/2014/main" xmlns="" val="20001"/>
                     </a:ext>
                   </a:extLst>
                 </a:gridCol>
                 <a:gridCol w="5818308">
                   <a:extLst>
                     <a:ext uri="{9D8B030D-6E8A-4147-A177-3AD203B41FA5}">
-                      <a16:colId xmlns="" xmlns:a16="http://schemas.microsoft.com/office/drawing/2014/main" val="20002"/>
+                      <a16:colId xmlns:a16="http://schemas.microsoft.com/office/drawing/2014/main" xmlns="" val="20002"/>
                     </a:ext>
                   </a:extLst>
                 </a:gridCol>
@@ -7975,7 +7975,7 @@
                 </a:tc>
                 <a:extLst>
                   <a:ext uri="{0D108BD9-81ED-4DB2-BD59-A6C34878D82A}">
-                    <a16:rowId xmlns="" xmlns:a16="http://schemas.microsoft.com/office/drawing/2014/main" val="10000"/>
+                    <a16:rowId xmlns:a16="http://schemas.microsoft.com/office/drawing/2014/main" xmlns="" val="10000"/>
                   </a:ext>
                 </a:extLst>
               </a:tr>
@@ -8078,7 +8078,7 @@
                 </a:tc>
                 <a:extLst>
                   <a:ext uri="{0D108BD9-81ED-4DB2-BD59-A6C34878D82A}">
-                    <a16:rowId xmlns="" xmlns:a16="http://schemas.microsoft.com/office/drawing/2014/main" val="10001"/>
+                    <a16:rowId xmlns:a16="http://schemas.microsoft.com/office/drawing/2014/main" xmlns="" val="10001"/>
                   </a:ext>
                 </a:extLst>
               </a:tr>
@@ -8181,7 +8181,7 @@
                 </a:tc>
                 <a:extLst>
                   <a:ext uri="{0D108BD9-81ED-4DB2-BD59-A6C34878D82A}">
-                    <a16:rowId xmlns="" xmlns:a16="http://schemas.microsoft.com/office/drawing/2014/main" val="10002"/>
+                    <a16:rowId xmlns:a16="http://schemas.microsoft.com/office/drawing/2014/main" xmlns="" val="10002"/>
                   </a:ext>
                 </a:extLst>
               </a:tr>
@@ -8284,7 +8284,7 @@
                 </a:tc>
                 <a:extLst>
                   <a:ext uri="{0D108BD9-81ED-4DB2-BD59-A6C34878D82A}">
-                    <a16:rowId xmlns="" xmlns:a16="http://schemas.microsoft.com/office/drawing/2014/main" val="10003"/>
+                    <a16:rowId xmlns:a16="http://schemas.microsoft.com/office/drawing/2014/main" xmlns="" val="10003"/>
                   </a:ext>
                 </a:extLst>
               </a:tr>
@@ -8382,7 +8382,7 @@
           <p:cNvPr id="2" name="Title 1">
             <a:extLst>
               <a:ext uri="{FF2B5EF4-FFF2-40B4-BE49-F238E27FC236}">
-                <a16:creationId xmlns="" xmlns:a16="http://schemas.microsoft.com/office/drawing/2014/main" id="{C27109A9-8D84-486A-AD51-B63C3C6BDB5C}"/>
+                <a16:creationId xmlns:a16="http://schemas.microsoft.com/office/drawing/2014/main" xmlns="" id="{C27109A9-8D84-486A-AD51-B63C3C6BDB5C}"/>
               </a:ext>
             </a:extLst>
           </p:cNvPr>
@@ -8417,7 +8417,7 @@
           <p:cNvPr id="4" name="Content Placeholder 3">
             <a:extLst>
               <a:ext uri="{FF2B5EF4-FFF2-40B4-BE49-F238E27FC236}">
-                <a16:creationId xmlns="" xmlns:a16="http://schemas.microsoft.com/office/drawing/2014/main" id="{0111AAB1-A7D6-48C6-B93D-2BF15034E452}"/>
+                <a16:creationId xmlns:a16="http://schemas.microsoft.com/office/drawing/2014/main" xmlns="" id="{0111AAB1-A7D6-48C6-B93D-2BF15034E452}"/>
               </a:ext>
             </a:extLst>
           </p:cNvPr>
@@ -8442,56 +8442,56 @@
                 <a:gridCol w="369962">
                   <a:extLst>
                     <a:ext uri="{9D8B030D-6E8A-4147-A177-3AD203B41FA5}">
-                      <a16:colId xmlns="" xmlns:a16="http://schemas.microsoft.com/office/drawing/2014/main" val="3571866511"/>
+                      <a16:colId xmlns:a16="http://schemas.microsoft.com/office/drawing/2014/main" xmlns="" val="3571866511"/>
                     </a:ext>
                   </a:extLst>
                 </a:gridCol>
                 <a:gridCol w="2799501">
                   <a:extLst>
                     <a:ext uri="{9D8B030D-6E8A-4147-A177-3AD203B41FA5}">
-                      <a16:colId xmlns="" xmlns:a16="http://schemas.microsoft.com/office/drawing/2014/main" val="1421687479"/>
+                      <a16:colId xmlns:a16="http://schemas.microsoft.com/office/drawing/2014/main" xmlns="" val="1421687479"/>
                     </a:ext>
                   </a:extLst>
                 </a:gridCol>
                 <a:gridCol w="2564445">
                   <a:extLst>
                     <a:ext uri="{9D8B030D-6E8A-4147-A177-3AD203B41FA5}">
-                      <a16:colId xmlns="" xmlns:a16="http://schemas.microsoft.com/office/drawing/2014/main" val="3899242390"/>
+                      <a16:colId xmlns:a16="http://schemas.microsoft.com/office/drawing/2014/main" xmlns="" val="3899242390"/>
                     </a:ext>
                   </a:extLst>
                 </a:gridCol>
                 <a:gridCol w="185630">
                   <a:extLst>
                     <a:ext uri="{9D8B030D-6E8A-4147-A177-3AD203B41FA5}">
-                      <a16:colId xmlns="" xmlns:a16="http://schemas.microsoft.com/office/drawing/2014/main" val="2048303212"/>
+                      <a16:colId xmlns:a16="http://schemas.microsoft.com/office/drawing/2014/main" xmlns="" val="2048303212"/>
                     </a:ext>
                   </a:extLst>
                 </a:gridCol>
                 <a:gridCol w="295633">
                   <a:extLst>
                     <a:ext uri="{9D8B030D-6E8A-4147-A177-3AD203B41FA5}">
-                      <a16:colId xmlns="" xmlns:a16="http://schemas.microsoft.com/office/drawing/2014/main" val="746535854"/>
+                      <a16:colId xmlns:a16="http://schemas.microsoft.com/office/drawing/2014/main" xmlns="" val="746535854"/>
                     </a:ext>
                   </a:extLst>
                 </a:gridCol>
                 <a:gridCol w="93980">
                   <a:extLst>
                     <a:ext uri="{9D8B030D-6E8A-4147-A177-3AD203B41FA5}">
-                      <a16:colId xmlns="" xmlns:a16="http://schemas.microsoft.com/office/drawing/2014/main" val="1517551828"/>
+                      <a16:colId xmlns:a16="http://schemas.microsoft.com/office/drawing/2014/main" xmlns="" val="1517551828"/>
                     </a:ext>
                   </a:extLst>
                 </a:gridCol>
                 <a:gridCol w="284155">
                   <a:extLst>
                     <a:ext uri="{9D8B030D-6E8A-4147-A177-3AD203B41FA5}">
-                      <a16:colId xmlns="" xmlns:a16="http://schemas.microsoft.com/office/drawing/2014/main" val="1975296765"/>
+                      <a16:colId xmlns:a16="http://schemas.microsoft.com/office/drawing/2014/main" xmlns="" val="1975296765"/>
                     </a:ext>
                   </a:extLst>
                 </a:gridCol>
                 <a:gridCol w="3730954">
                   <a:extLst>
                     <a:ext uri="{9D8B030D-6E8A-4147-A177-3AD203B41FA5}">
-                      <a16:colId xmlns="" xmlns:a16="http://schemas.microsoft.com/office/drawing/2014/main" val="1563690532"/>
+                      <a16:colId xmlns:a16="http://schemas.microsoft.com/office/drawing/2014/main" xmlns="" val="1563690532"/>
                     </a:ext>
                   </a:extLst>
                 </a:gridCol>
@@ -8761,7 +8761,7 @@
                 </a:tc>
                 <a:extLst>
                   <a:ext uri="{0D108BD9-81ED-4DB2-BD59-A6C34878D82A}">
-                    <a16:rowId xmlns="" xmlns:a16="http://schemas.microsoft.com/office/drawing/2014/main" val="2790610759"/>
+                    <a16:rowId xmlns:a16="http://schemas.microsoft.com/office/drawing/2014/main" xmlns="" val="2790610759"/>
                   </a:ext>
                 </a:extLst>
               </a:tr>
@@ -8854,7 +8854,7 @@
                 </a:tc>
                 <a:extLst>
                   <a:ext uri="{0D108BD9-81ED-4DB2-BD59-A6C34878D82A}">
-                    <a16:rowId xmlns="" xmlns:a16="http://schemas.microsoft.com/office/drawing/2014/main" val="2643930646"/>
+                    <a16:rowId xmlns:a16="http://schemas.microsoft.com/office/drawing/2014/main" xmlns="" val="2643930646"/>
                   </a:ext>
                 </a:extLst>
               </a:tr>
@@ -9068,7 +9068,7 @@
                 </a:tc>
                 <a:extLst>
                   <a:ext uri="{0D108BD9-81ED-4DB2-BD59-A6C34878D82A}">
-                    <a16:rowId xmlns="" xmlns:a16="http://schemas.microsoft.com/office/drawing/2014/main" val="3304438575"/>
+                    <a16:rowId xmlns:a16="http://schemas.microsoft.com/office/drawing/2014/main" xmlns="" val="3304438575"/>
                   </a:ext>
                 </a:extLst>
               </a:tr>
@@ -9294,7 +9294,7 @@
                 </a:tc>
                 <a:extLst>
                   <a:ext uri="{0D108BD9-81ED-4DB2-BD59-A6C34878D82A}">
-                    <a16:rowId xmlns="" xmlns:a16="http://schemas.microsoft.com/office/drawing/2014/main" val="1091830123"/>
+                    <a16:rowId xmlns:a16="http://schemas.microsoft.com/office/drawing/2014/main" xmlns="" val="1091830123"/>
                   </a:ext>
                 </a:extLst>
               </a:tr>
@@ -9508,7 +9508,7 @@
                 </a:tc>
                 <a:extLst>
                   <a:ext uri="{0D108BD9-81ED-4DB2-BD59-A6C34878D82A}">
-                    <a16:rowId xmlns="" xmlns:a16="http://schemas.microsoft.com/office/drawing/2014/main" val="195937988"/>
+                    <a16:rowId xmlns:a16="http://schemas.microsoft.com/office/drawing/2014/main" xmlns="" val="195937988"/>
                   </a:ext>
                 </a:extLst>
               </a:tr>
@@ -9601,7 +9601,7 @@
                 </a:tc>
                 <a:extLst>
                   <a:ext uri="{0D108BD9-81ED-4DB2-BD59-A6C34878D82A}">
-                    <a16:rowId xmlns="" xmlns:a16="http://schemas.microsoft.com/office/drawing/2014/main" val="4166280157"/>
+                    <a16:rowId xmlns:a16="http://schemas.microsoft.com/office/drawing/2014/main" xmlns="" val="4166280157"/>
                   </a:ext>
                 </a:extLst>
               </a:tr>
@@ -9840,7 +9840,7 @@
                 </a:tc>
                 <a:extLst>
                   <a:ext uri="{0D108BD9-81ED-4DB2-BD59-A6C34878D82A}">
-                    <a16:rowId xmlns="" xmlns:a16="http://schemas.microsoft.com/office/drawing/2014/main" val="1405325198"/>
+                    <a16:rowId xmlns:a16="http://schemas.microsoft.com/office/drawing/2014/main" xmlns="" val="1405325198"/>
                   </a:ext>
                 </a:extLst>
               </a:tr>
@@ -10079,7 +10079,7 @@
                 </a:tc>
                 <a:extLst>
                   <a:ext uri="{0D108BD9-81ED-4DB2-BD59-A6C34878D82A}">
-                    <a16:rowId xmlns="" xmlns:a16="http://schemas.microsoft.com/office/drawing/2014/main" val="2816664006"/>
+                    <a16:rowId xmlns:a16="http://schemas.microsoft.com/office/drawing/2014/main" xmlns="" val="2816664006"/>
                   </a:ext>
                 </a:extLst>
               </a:tr>
@@ -10172,7 +10172,7 @@
                 </a:tc>
                 <a:extLst>
                   <a:ext uri="{0D108BD9-81ED-4DB2-BD59-A6C34878D82A}">
-                    <a16:rowId xmlns="" xmlns:a16="http://schemas.microsoft.com/office/drawing/2014/main" val="3466216339"/>
+                    <a16:rowId xmlns:a16="http://schemas.microsoft.com/office/drawing/2014/main" xmlns="" val="3466216339"/>
                   </a:ext>
                 </a:extLst>
               </a:tr>
@@ -10411,7 +10411,7 @@
                 </a:tc>
                 <a:extLst>
                   <a:ext uri="{0D108BD9-81ED-4DB2-BD59-A6C34878D82A}">
-                    <a16:rowId xmlns="" xmlns:a16="http://schemas.microsoft.com/office/drawing/2014/main" val="3192613793"/>
+                    <a16:rowId xmlns:a16="http://schemas.microsoft.com/office/drawing/2014/main" xmlns="" val="3192613793"/>
                   </a:ext>
                 </a:extLst>
               </a:tr>
@@ -10650,7 +10650,7 @@
                 </a:tc>
                 <a:extLst>
                   <a:ext uri="{0D108BD9-81ED-4DB2-BD59-A6C34878D82A}">
-                    <a16:rowId xmlns="" xmlns:a16="http://schemas.microsoft.com/office/drawing/2014/main" val="1937383606"/>
+                    <a16:rowId xmlns:a16="http://schemas.microsoft.com/office/drawing/2014/main" xmlns="" val="1937383606"/>
                   </a:ext>
                 </a:extLst>
               </a:tr>
@@ -10889,7 +10889,7 @@
                 </a:tc>
                 <a:extLst>
                   <a:ext uri="{0D108BD9-81ED-4DB2-BD59-A6C34878D82A}">
-                    <a16:rowId xmlns="" xmlns:a16="http://schemas.microsoft.com/office/drawing/2014/main" val="3994458559"/>
+                    <a16:rowId xmlns:a16="http://schemas.microsoft.com/office/drawing/2014/main" xmlns="" val="3994458559"/>
                   </a:ext>
                 </a:extLst>
               </a:tr>
@@ -10962,7 +10962,7 @@
           <p:cNvPr id="5" name="Content Placeholder 4">
             <a:extLst>
               <a:ext uri="{FF2B5EF4-FFF2-40B4-BE49-F238E27FC236}">
-                <a16:creationId xmlns="" xmlns:a16="http://schemas.microsoft.com/office/drawing/2014/main" id="{6BEF5C33-2C1C-4462-BF56-BF3F99F3356F}"/>
+                <a16:creationId xmlns:a16="http://schemas.microsoft.com/office/drawing/2014/main" xmlns="" id="{6BEF5C33-2C1C-4462-BF56-BF3F99F3356F}"/>
               </a:ext>
             </a:extLst>
           </p:cNvPr>
@@ -11217,14 +11217,14 @@
                 <a:gridCol w="5216968">
                   <a:extLst>
                     <a:ext uri="{9D8B030D-6E8A-4147-A177-3AD203B41FA5}">
-                      <a16:colId xmlns="" xmlns:a16="http://schemas.microsoft.com/office/drawing/2014/main" val="20000"/>
+                      <a16:colId xmlns:a16="http://schemas.microsoft.com/office/drawing/2014/main" xmlns="" val="20000"/>
                     </a:ext>
                   </a:extLst>
                 </a:gridCol>
                 <a:gridCol w="5216968">
                   <a:extLst>
                     <a:ext uri="{9D8B030D-6E8A-4147-A177-3AD203B41FA5}">
-                      <a16:colId xmlns="" xmlns:a16="http://schemas.microsoft.com/office/drawing/2014/main" val="20001"/>
+                      <a16:colId xmlns:a16="http://schemas.microsoft.com/office/drawing/2014/main" xmlns="" val="20001"/>
                     </a:ext>
                   </a:extLst>
                 </a:gridCol>
@@ -11302,7 +11302,7 @@
                 </a:tc>
                 <a:extLst>
                   <a:ext uri="{0D108BD9-81ED-4DB2-BD59-A6C34878D82A}">
-                    <a16:rowId xmlns="" xmlns:a16="http://schemas.microsoft.com/office/drawing/2014/main" val="10000"/>
+                    <a16:rowId xmlns:a16="http://schemas.microsoft.com/office/drawing/2014/main" xmlns="" val="10000"/>
                   </a:ext>
                 </a:extLst>
               </a:tr>
@@ -11422,7 +11422,7 @@
                 </a:tc>
                 <a:extLst>
                   <a:ext uri="{0D108BD9-81ED-4DB2-BD59-A6C34878D82A}">
-                    <a16:rowId xmlns="" xmlns:a16="http://schemas.microsoft.com/office/drawing/2014/main" val="10001"/>
+                    <a16:rowId xmlns:a16="http://schemas.microsoft.com/office/drawing/2014/main" xmlns="" val="10001"/>
                   </a:ext>
                 </a:extLst>
               </a:tr>
@@ -11632,14 +11632,14 @@
                 <a:gridCol w="3316957">
                   <a:extLst>
                     <a:ext uri="{9D8B030D-6E8A-4147-A177-3AD203B41FA5}">
-                      <a16:colId xmlns="" xmlns:a16="http://schemas.microsoft.com/office/drawing/2014/main" val="20000"/>
+                      <a16:colId xmlns:a16="http://schemas.microsoft.com/office/drawing/2014/main" xmlns="" val="20000"/>
                     </a:ext>
                   </a:extLst>
                 </a:gridCol>
                 <a:gridCol w="7116979">
                   <a:extLst>
                     <a:ext uri="{9D8B030D-6E8A-4147-A177-3AD203B41FA5}">
-                      <a16:colId xmlns="" xmlns:a16="http://schemas.microsoft.com/office/drawing/2014/main" val="20001"/>
+                      <a16:colId xmlns:a16="http://schemas.microsoft.com/office/drawing/2014/main" xmlns="" val="20001"/>
                     </a:ext>
                   </a:extLst>
                 </a:gridCol>
@@ -11717,7 +11717,7 @@
                 </a:tc>
                 <a:extLst>
                   <a:ext uri="{0D108BD9-81ED-4DB2-BD59-A6C34878D82A}">
-                    <a16:rowId xmlns="" xmlns:a16="http://schemas.microsoft.com/office/drawing/2014/main" val="10000"/>
+                    <a16:rowId xmlns:a16="http://schemas.microsoft.com/office/drawing/2014/main" xmlns="" val="10000"/>
                   </a:ext>
                 </a:extLst>
               </a:tr>
@@ -11830,7 +11830,7 @@
                 </a:tc>
                 <a:extLst>
                   <a:ext uri="{0D108BD9-81ED-4DB2-BD59-A6C34878D82A}">
-                    <a16:rowId xmlns="" xmlns:a16="http://schemas.microsoft.com/office/drawing/2014/main" val="10001"/>
+                    <a16:rowId xmlns:a16="http://schemas.microsoft.com/office/drawing/2014/main" xmlns="" val="10001"/>
                   </a:ext>
                 </a:extLst>
               </a:tr>

--- a/Online Car Rental System presentation v2.pptx
+++ b/Online Car Rental System presentation v2.pptx
@@ -4288,14 +4288,14 @@
                 <a:gridCol w="5216968">
                   <a:extLst>
                     <a:ext uri="{9D8B030D-6E8A-4147-A177-3AD203B41FA5}">
-                      <a16:colId xmlns:a16="http://schemas.microsoft.com/office/drawing/2014/main" xmlns="" val="20000"/>
+                      <a16:colId xmlns="" xmlns:a16="http://schemas.microsoft.com/office/drawing/2014/main" val="20000"/>
                     </a:ext>
                   </a:extLst>
                 </a:gridCol>
                 <a:gridCol w="5216968">
                   <a:extLst>
                     <a:ext uri="{9D8B030D-6E8A-4147-A177-3AD203B41FA5}">
-                      <a16:colId xmlns:a16="http://schemas.microsoft.com/office/drawing/2014/main" xmlns="" val="20001"/>
+                      <a16:colId xmlns="" xmlns:a16="http://schemas.microsoft.com/office/drawing/2014/main" val="20001"/>
                     </a:ext>
                   </a:extLst>
                 </a:gridCol>
@@ -4373,7 +4373,7 @@
                 </a:tc>
                 <a:extLst>
                   <a:ext uri="{0D108BD9-81ED-4DB2-BD59-A6C34878D82A}">
-                    <a16:rowId xmlns:a16="http://schemas.microsoft.com/office/drawing/2014/main" xmlns="" val="10000"/>
+                    <a16:rowId xmlns="" xmlns:a16="http://schemas.microsoft.com/office/drawing/2014/main" val="10000"/>
                   </a:ext>
                 </a:extLst>
               </a:tr>
@@ -4462,7 +4462,7 @@
                 </a:tc>
                 <a:extLst>
                   <a:ext uri="{0D108BD9-81ED-4DB2-BD59-A6C34878D82A}">
-                    <a16:rowId xmlns:a16="http://schemas.microsoft.com/office/drawing/2014/main" xmlns="" val="10001"/>
+                    <a16:rowId xmlns="" xmlns:a16="http://schemas.microsoft.com/office/drawing/2014/main" val="10001"/>
                   </a:ext>
                 </a:extLst>
               </a:tr>
@@ -4694,14 +4694,14 @@
                 <a:gridCol w="3365629">
                   <a:extLst>
                     <a:ext uri="{9D8B030D-6E8A-4147-A177-3AD203B41FA5}">
-                      <a16:colId xmlns:a16="http://schemas.microsoft.com/office/drawing/2014/main" xmlns="" val="20000"/>
+                      <a16:colId xmlns="" xmlns:a16="http://schemas.microsoft.com/office/drawing/2014/main" val="20000"/>
                     </a:ext>
                   </a:extLst>
                 </a:gridCol>
                 <a:gridCol w="7258478">
                   <a:extLst>
                     <a:ext uri="{9D8B030D-6E8A-4147-A177-3AD203B41FA5}">
-                      <a16:colId xmlns:a16="http://schemas.microsoft.com/office/drawing/2014/main" xmlns="" val="20001"/>
+                      <a16:colId xmlns="" xmlns:a16="http://schemas.microsoft.com/office/drawing/2014/main" val="20001"/>
                     </a:ext>
                   </a:extLst>
                 </a:gridCol>
@@ -4779,7 +4779,7 @@
                 </a:tc>
                 <a:extLst>
                   <a:ext uri="{0D108BD9-81ED-4DB2-BD59-A6C34878D82A}">
-                    <a16:rowId xmlns:a16="http://schemas.microsoft.com/office/drawing/2014/main" xmlns="" val="10000"/>
+                    <a16:rowId xmlns="" xmlns:a16="http://schemas.microsoft.com/office/drawing/2014/main" val="10000"/>
                   </a:ext>
                 </a:extLst>
               </a:tr>
@@ -4930,7 +4930,7 @@
                 </a:tc>
                 <a:extLst>
                   <a:ext uri="{0D108BD9-81ED-4DB2-BD59-A6C34878D82A}">
-                    <a16:rowId xmlns:a16="http://schemas.microsoft.com/office/drawing/2014/main" xmlns="" val="10001"/>
+                    <a16:rowId xmlns="" xmlns:a16="http://schemas.microsoft.com/office/drawing/2014/main" val="10001"/>
                   </a:ext>
                 </a:extLst>
               </a:tr>
@@ -5111,7 +5111,7 @@
                 </a:tc>
                 <a:extLst>
                   <a:ext uri="{0D108BD9-81ED-4DB2-BD59-A6C34878D82A}">
-                    <a16:rowId xmlns:a16="http://schemas.microsoft.com/office/drawing/2014/main" xmlns="" val="10002"/>
+                    <a16:rowId xmlns="" xmlns:a16="http://schemas.microsoft.com/office/drawing/2014/main" val="10002"/>
                   </a:ext>
                 </a:extLst>
               </a:tr>
@@ -5296,14 +5296,14 @@
                 <a:gridCol w="3450929">
                   <a:extLst>
                     <a:ext uri="{9D8B030D-6E8A-4147-A177-3AD203B41FA5}">
-                      <a16:colId xmlns:a16="http://schemas.microsoft.com/office/drawing/2014/main" xmlns="" val="20000"/>
+                      <a16:colId xmlns="" xmlns:a16="http://schemas.microsoft.com/office/drawing/2014/main" val="20000"/>
                     </a:ext>
                   </a:extLst>
                 </a:gridCol>
                 <a:gridCol w="6983007">
                   <a:extLst>
                     <a:ext uri="{9D8B030D-6E8A-4147-A177-3AD203B41FA5}">
-                      <a16:colId xmlns:a16="http://schemas.microsoft.com/office/drawing/2014/main" xmlns="" val="20001"/>
+                      <a16:colId xmlns="" xmlns:a16="http://schemas.microsoft.com/office/drawing/2014/main" val="20001"/>
                     </a:ext>
                   </a:extLst>
                 </a:gridCol>
@@ -5383,7 +5383,7 @@
                 </a:tc>
                 <a:extLst>
                   <a:ext uri="{0D108BD9-81ED-4DB2-BD59-A6C34878D82A}">
-                    <a16:rowId xmlns:a16="http://schemas.microsoft.com/office/drawing/2014/main" xmlns="" val="10000"/>
+                    <a16:rowId xmlns="" xmlns:a16="http://schemas.microsoft.com/office/drawing/2014/main" val="10000"/>
                   </a:ext>
                 </a:extLst>
               </a:tr>
@@ -5576,7 +5576,7 @@
                 </a:tc>
                 <a:extLst>
                   <a:ext uri="{0D108BD9-81ED-4DB2-BD59-A6C34878D82A}">
-                    <a16:rowId xmlns:a16="http://schemas.microsoft.com/office/drawing/2014/main" xmlns="" val="10001"/>
+                    <a16:rowId xmlns="" xmlns:a16="http://schemas.microsoft.com/office/drawing/2014/main" val="10001"/>
                   </a:ext>
                 </a:extLst>
               </a:tr>
@@ -5757,7 +5757,7 @@
                 </a:tc>
                 <a:extLst>
                   <a:ext uri="{0D108BD9-81ED-4DB2-BD59-A6C34878D82A}">
-                    <a16:rowId xmlns:a16="http://schemas.microsoft.com/office/drawing/2014/main" xmlns="" val="10002"/>
+                    <a16:rowId xmlns="" xmlns:a16="http://schemas.microsoft.com/office/drawing/2014/main" val="10002"/>
                   </a:ext>
                 </a:extLst>
               </a:tr>
@@ -5913,7 +5913,7 @@
           <p:cNvPr id="2" name="Title 1">
             <a:extLst>
               <a:ext uri="{FF2B5EF4-FFF2-40B4-BE49-F238E27FC236}">
-                <a16:creationId xmlns:a16="http://schemas.microsoft.com/office/drawing/2014/main" xmlns="" id="{4EEC2E0C-F73F-4C5B-83E3-0A2A48AF01ED}"/>
+                <a16:creationId xmlns="" xmlns:a16="http://schemas.microsoft.com/office/drawing/2014/main" id="{4EEC2E0C-F73F-4C5B-83E3-0A2A48AF01ED}"/>
               </a:ext>
             </a:extLst>
           </p:cNvPr>
@@ -5948,7 +5948,7 @@
           <p:cNvPr id="5" name="Content Placeholder 4" descr="A close up of a map&#10;&#10;Description automatically generated">
             <a:extLst>
               <a:ext uri="{FF2B5EF4-FFF2-40B4-BE49-F238E27FC236}">
-                <a16:creationId xmlns:a16="http://schemas.microsoft.com/office/drawing/2014/main" xmlns="" id="{6CA20D7A-971B-4706-975C-390C752AF709}"/>
+                <a16:creationId xmlns="" xmlns:a16="http://schemas.microsoft.com/office/drawing/2014/main" id="{6CA20D7A-971B-4706-975C-390C752AF709}"/>
               </a:ext>
             </a:extLst>
           </p:cNvPr>
@@ -6007,7 +6007,7 @@
           <p:cNvPr id="2" name="Title 1">
             <a:extLst>
               <a:ext uri="{FF2B5EF4-FFF2-40B4-BE49-F238E27FC236}">
-                <a16:creationId xmlns:a16="http://schemas.microsoft.com/office/drawing/2014/main" xmlns="" id="{D01D6F5C-1424-4873-A38F-4620227219EE}"/>
+                <a16:creationId xmlns="" xmlns:a16="http://schemas.microsoft.com/office/drawing/2014/main" id="{D01D6F5C-1424-4873-A38F-4620227219EE}"/>
               </a:ext>
             </a:extLst>
           </p:cNvPr>
@@ -6058,7 +6058,7 @@
           <p:cNvPr id="5" name="Content Placeholder 4" descr="A close up of a map&#10;&#10;Description automatically generated">
             <a:extLst>
               <a:ext uri="{FF2B5EF4-FFF2-40B4-BE49-F238E27FC236}">
-                <a16:creationId xmlns:a16="http://schemas.microsoft.com/office/drawing/2014/main" xmlns="" id="{C98D7A44-4395-4509-B3BB-709EAE79D391}"/>
+                <a16:creationId xmlns="" xmlns:a16="http://schemas.microsoft.com/office/drawing/2014/main" id="{C98D7A44-4395-4509-B3BB-709EAE79D391}"/>
               </a:ext>
             </a:extLst>
           </p:cNvPr>
@@ -6117,7 +6117,7 @@
           <p:cNvPr id="2" name="Title 1">
             <a:extLst>
               <a:ext uri="{FF2B5EF4-FFF2-40B4-BE49-F238E27FC236}">
-                <a16:creationId xmlns:a16="http://schemas.microsoft.com/office/drawing/2014/main" xmlns="" id="{EE6EC4DB-CC0B-4B98-97AB-786A01B52965}"/>
+                <a16:creationId xmlns="" xmlns:a16="http://schemas.microsoft.com/office/drawing/2014/main" id="{EE6EC4DB-CC0B-4B98-97AB-786A01B52965}"/>
               </a:ext>
             </a:extLst>
           </p:cNvPr>
@@ -6160,7 +6160,7 @@
           <p:cNvPr id="5" name="Content Placeholder 4" descr="A close up of a map&#10;&#10;Description automatically generated">
             <a:extLst>
               <a:ext uri="{FF2B5EF4-FFF2-40B4-BE49-F238E27FC236}">
-                <a16:creationId xmlns:a16="http://schemas.microsoft.com/office/drawing/2014/main" xmlns="" id="{9BE09307-68BB-40A1-B103-E3789CF52762}"/>
+                <a16:creationId xmlns="" xmlns:a16="http://schemas.microsoft.com/office/drawing/2014/main" id="{9BE09307-68BB-40A1-B103-E3789CF52762}"/>
               </a:ext>
             </a:extLst>
           </p:cNvPr>
@@ -6219,7 +6219,7 @@
           <p:cNvPr id="2" name="Title 1">
             <a:extLst>
               <a:ext uri="{FF2B5EF4-FFF2-40B4-BE49-F238E27FC236}">
-                <a16:creationId xmlns:a16="http://schemas.microsoft.com/office/drawing/2014/main" xmlns="" id="{14A0F59C-87AE-479C-ACF9-6205AA56A33D}"/>
+                <a16:creationId xmlns="" xmlns:a16="http://schemas.microsoft.com/office/drawing/2014/main" id="{14A0F59C-87AE-479C-ACF9-6205AA56A33D}"/>
               </a:ext>
             </a:extLst>
           </p:cNvPr>
@@ -6262,7 +6262,7 @@
           <p:cNvPr id="5" name="Content Placeholder 4" descr="A close up of a map&#10;&#10;Description automatically generated">
             <a:extLst>
               <a:ext uri="{FF2B5EF4-FFF2-40B4-BE49-F238E27FC236}">
-                <a16:creationId xmlns:a16="http://schemas.microsoft.com/office/drawing/2014/main" xmlns="" id="{E024F4B3-469D-4917-9F60-A00C69A4F24D}"/>
+                <a16:creationId xmlns="" xmlns:a16="http://schemas.microsoft.com/office/drawing/2014/main" id="{E024F4B3-469D-4917-9F60-A00C69A4F24D}"/>
               </a:ext>
             </a:extLst>
           </p:cNvPr>
@@ -6321,7 +6321,7 @@
           <p:cNvPr id="2" name="Title 1">
             <a:extLst>
               <a:ext uri="{FF2B5EF4-FFF2-40B4-BE49-F238E27FC236}">
-                <a16:creationId xmlns:a16="http://schemas.microsoft.com/office/drawing/2014/main" xmlns="" id="{4BDEF6FA-4770-4FC6-A635-06878EB741C1}"/>
+                <a16:creationId xmlns="" xmlns:a16="http://schemas.microsoft.com/office/drawing/2014/main" id="{4BDEF6FA-4770-4FC6-A635-06878EB741C1}"/>
               </a:ext>
             </a:extLst>
           </p:cNvPr>
@@ -6364,7 +6364,7 @@
           <p:cNvPr id="5" name="Content Placeholder 4" descr="A close up of a map&#10;&#10;Description automatically generated">
             <a:extLst>
               <a:ext uri="{FF2B5EF4-FFF2-40B4-BE49-F238E27FC236}">
-                <a16:creationId xmlns:a16="http://schemas.microsoft.com/office/drawing/2014/main" xmlns="" id="{E4639449-7866-466E-B5DA-CA19656C4D7A}"/>
+                <a16:creationId xmlns="" xmlns:a16="http://schemas.microsoft.com/office/drawing/2014/main" id="{E4639449-7866-466E-B5DA-CA19656C4D7A}"/>
               </a:ext>
             </a:extLst>
           </p:cNvPr>
@@ -6977,14 +6977,14 @@
                 <a:gridCol w="2724972">
                   <a:extLst>
                     <a:ext uri="{9D8B030D-6E8A-4147-A177-3AD203B41FA5}">
-                      <a16:colId xmlns:a16="http://schemas.microsoft.com/office/drawing/2014/main" xmlns="" val="20000"/>
+                      <a16:colId xmlns="" xmlns:a16="http://schemas.microsoft.com/office/drawing/2014/main" val="20000"/>
                     </a:ext>
                   </a:extLst>
                 </a:gridCol>
                 <a:gridCol w="7055636">
                   <a:extLst>
                     <a:ext uri="{9D8B030D-6E8A-4147-A177-3AD203B41FA5}">
-                      <a16:colId xmlns:a16="http://schemas.microsoft.com/office/drawing/2014/main" xmlns="" val="20001"/>
+                      <a16:colId xmlns="" xmlns:a16="http://schemas.microsoft.com/office/drawing/2014/main" val="20001"/>
                     </a:ext>
                   </a:extLst>
                 </a:gridCol>
@@ -7056,7 +7056,7 @@
                 </a:tc>
                 <a:extLst>
                   <a:ext uri="{0D108BD9-81ED-4DB2-BD59-A6C34878D82A}">
-                    <a16:rowId xmlns:a16="http://schemas.microsoft.com/office/drawing/2014/main" xmlns="" val="10000"/>
+                    <a16:rowId xmlns="" xmlns:a16="http://schemas.microsoft.com/office/drawing/2014/main" val="10000"/>
                   </a:ext>
                 </a:extLst>
               </a:tr>
@@ -7127,7 +7127,7 @@
                 </a:tc>
                 <a:extLst>
                   <a:ext uri="{0D108BD9-81ED-4DB2-BD59-A6C34878D82A}">
-                    <a16:rowId xmlns:a16="http://schemas.microsoft.com/office/drawing/2014/main" xmlns="" val="10001"/>
+                    <a16:rowId xmlns="" xmlns:a16="http://schemas.microsoft.com/office/drawing/2014/main" val="10001"/>
                   </a:ext>
                 </a:extLst>
               </a:tr>
@@ -7198,7 +7198,7 @@
                 </a:tc>
                 <a:extLst>
                   <a:ext uri="{0D108BD9-81ED-4DB2-BD59-A6C34878D82A}">
-                    <a16:rowId xmlns:a16="http://schemas.microsoft.com/office/drawing/2014/main" xmlns="" val="10002"/>
+                    <a16:rowId xmlns="" xmlns:a16="http://schemas.microsoft.com/office/drawing/2014/main" val="10002"/>
                   </a:ext>
                 </a:extLst>
               </a:tr>
@@ -7291,7 +7291,7 @@
                 </a:tc>
                 <a:extLst>
                   <a:ext uri="{0D108BD9-81ED-4DB2-BD59-A6C34878D82A}">
-                    <a16:rowId xmlns:a16="http://schemas.microsoft.com/office/drawing/2014/main" xmlns="" val="10003"/>
+                    <a16:rowId xmlns="" xmlns:a16="http://schemas.microsoft.com/office/drawing/2014/main" val="10003"/>
                   </a:ext>
                 </a:extLst>
               </a:tr>
@@ -7387,14 +7387,14 @@
                 <a:gridCol w="2627565">
                   <a:extLst>
                     <a:ext uri="{9D8B030D-6E8A-4147-A177-3AD203B41FA5}">
-                      <a16:colId xmlns:a16="http://schemas.microsoft.com/office/drawing/2014/main" xmlns="" val="20000"/>
+                      <a16:colId xmlns="" xmlns:a16="http://schemas.microsoft.com/office/drawing/2014/main" val="20000"/>
                     </a:ext>
                   </a:extLst>
                 </a:gridCol>
                 <a:gridCol w="7900420">
                   <a:extLst>
                     <a:ext uri="{9D8B030D-6E8A-4147-A177-3AD203B41FA5}">
-                      <a16:colId xmlns:a16="http://schemas.microsoft.com/office/drawing/2014/main" xmlns="" val="20001"/>
+                      <a16:colId xmlns="" xmlns:a16="http://schemas.microsoft.com/office/drawing/2014/main" val="20001"/>
                     </a:ext>
                   </a:extLst>
                 </a:gridCol>
@@ -7466,7 +7466,7 @@
                 </a:tc>
                 <a:extLst>
                   <a:ext uri="{0D108BD9-81ED-4DB2-BD59-A6C34878D82A}">
-                    <a16:rowId xmlns:a16="http://schemas.microsoft.com/office/drawing/2014/main" xmlns="" val="10000"/>
+                    <a16:rowId xmlns="" xmlns:a16="http://schemas.microsoft.com/office/drawing/2014/main" val="10000"/>
                   </a:ext>
                 </a:extLst>
               </a:tr>
@@ -7537,7 +7537,7 @@
                 </a:tc>
                 <a:extLst>
                   <a:ext uri="{0D108BD9-81ED-4DB2-BD59-A6C34878D82A}">
-                    <a16:rowId xmlns:a16="http://schemas.microsoft.com/office/drawing/2014/main" xmlns="" val="10001"/>
+                    <a16:rowId xmlns="" xmlns:a16="http://schemas.microsoft.com/office/drawing/2014/main" val="10001"/>
                   </a:ext>
                 </a:extLst>
               </a:tr>
@@ -7608,7 +7608,7 @@
                 </a:tc>
                 <a:extLst>
                   <a:ext uri="{0D108BD9-81ED-4DB2-BD59-A6C34878D82A}">
-                    <a16:rowId xmlns:a16="http://schemas.microsoft.com/office/drawing/2014/main" xmlns="" val="10002"/>
+                    <a16:rowId xmlns="" xmlns:a16="http://schemas.microsoft.com/office/drawing/2014/main" val="10002"/>
                   </a:ext>
                 </a:extLst>
               </a:tr>
@@ -7679,7 +7679,7 @@
                 </a:tc>
                 <a:extLst>
                   <a:ext uri="{0D108BD9-81ED-4DB2-BD59-A6C34878D82A}">
-                    <a16:rowId xmlns:a16="http://schemas.microsoft.com/office/drawing/2014/main" xmlns="" val="10003"/>
+                    <a16:rowId xmlns="" xmlns:a16="http://schemas.microsoft.com/office/drawing/2014/main" val="10003"/>
                   </a:ext>
                 </a:extLst>
               </a:tr>
@@ -7750,7 +7750,7 @@
                 </a:tc>
                 <a:extLst>
                   <a:ext uri="{0D108BD9-81ED-4DB2-BD59-A6C34878D82A}">
-                    <a16:rowId xmlns:a16="http://schemas.microsoft.com/office/drawing/2014/main" xmlns="" val="10004"/>
+                    <a16:rowId xmlns="" xmlns:a16="http://schemas.microsoft.com/office/drawing/2014/main" val="10004"/>
                   </a:ext>
                 </a:extLst>
               </a:tr>
@@ -7821,7 +7821,7 @@
                 </a:tc>
                 <a:extLst>
                   <a:ext uri="{0D108BD9-81ED-4DB2-BD59-A6C34878D82A}">
-                    <a16:rowId xmlns:a16="http://schemas.microsoft.com/office/drawing/2014/main" xmlns="" val="10005"/>
+                    <a16:rowId xmlns="" xmlns:a16="http://schemas.microsoft.com/office/drawing/2014/main" val="10005"/>
                   </a:ext>
                 </a:extLst>
               </a:tr>
@@ -7857,21 +7857,21 @@
                 <a:gridCol w="1159088">
                   <a:extLst>
                     <a:ext uri="{9D8B030D-6E8A-4147-A177-3AD203B41FA5}">
-                      <a16:colId xmlns:a16="http://schemas.microsoft.com/office/drawing/2014/main" xmlns="" val="20000"/>
+                      <a16:colId xmlns="" xmlns:a16="http://schemas.microsoft.com/office/drawing/2014/main" val="20000"/>
                     </a:ext>
                   </a:extLst>
                 </a:gridCol>
                 <a:gridCol w="3510886">
                   <a:extLst>
                     <a:ext uri="{9D8B030D-6E8A-4147-A177-3AD203B41FA5}">
-                      <a16:colId xmlns:a16="http://schemas.microsoft.com/office/drawing/2014/main" xmlns="" val="20001"/>
+                      <a16:colId xmlns="" xmlns:a16="http://schemas.microsoft.com/office/drawing/2014/main" val="20001"/>
                     </a:ext>
                   </a:extLst>
                 </a:gridCol>
                 <a:gridCol w="5818308">
                   <a:extLst>
                     <a:ext uri="{9D8B030D-6E8A-4147-A177-3AD203B41FA5}">
-                      <a16:colId xmlns:a16="http://schemas.microsoft.com/office/drawing/2014/main" xmlns="" val="20002"/>
+                      <a16:colId xmlns="" xmlns:a16="http://schemas.microsoft.com/office/drawing/2014/main" val="20002"/>
                     </a:ext>
                   </a:extLst>
                 </a:gridCol>
@@ -7975,7 +7975,7 @@
                 </a:tc>
                 <a:extLst>
                   <a:ext uri="{0D108BD9-81ED-4DB2-BD59-A6C34878D82A}">
-                    <a16:rowId xmlns:a16="http://schemas.microsoft.com/office/drawing/2014/main" xmlns="" val="10000"/>
+                    <a16:rowId xmlns="" xmlns:a16="http://schemas.microsoft.com/office/drawing/2014/main" val="10000"/>
                   </a:ext>
                 </a:extLst>
               </a:tr>
@@ -8078,7 +8078,7 @@
                 </a:tc>
                 <a:extLst>
                   <a:ext uri="{0D108BD9-81ED-4DB2-BD59-A6C34878D82A}">
-                    <a16:rowId xmlns:a16="http://schemas.microsoft.com/office/drawing/2014/main" xmlns="" val="10001"/>
+                    <a16:rowId xmlns="" xmlns:a16="http://schemas.microsoft.com/office/drawing/2014/main" val="10001"/>
                   </a:ext>
                 </a:extLst>
               </a:tr>
@@ -8181,7 +8181,7 @@
                 </a:tc>
                 <a:extLst>
                   <a:ext uri="{0D108BD9-81ED-4DB2-BD59-A6C34878D82A}">
-                    <a16:rowId xmlns:a16="http://schemas.microsoft.com/office/drawing/2014/main" xmlns="" val="10002"/>
+                    <a16:rowId xmlns="" xmlns:a16="http://schemas.microsoft.com/office/drawing/2014/main" val="10002"/>
                   </a:ext>
                 </a:extLst>
               </a:tr>
@@ -8284,7 +8284,7 @@
                 </a:tc>
                 <a:extLst>
                   <a:ext uri="{0D108BD9-81ED-4DB2-BD59-A6C34878D82A}">
-                    <a16:rowId xmlns:a16="http://schemas.microsoft.com/office/drawing/2014/main" xmlns="" val="10003"/>
+                    <a16:rowId xmlns="" xmlns:a16="http://schemas.microsoft.com/office/drawing/2014/main" val="10003"/>
                   </a:ext>
                 </a:extLst>
               </a:tr>
@@ -8382,7 +8382,7 @@
           <p:cNvPr id="2" name="Title 1">
             <a:extLst>
               <a:ext uri="{FF2B5EF4-FFF2-40B4-BE49-F238E27FC236}">
-                <a16:creationId xmlns:a16="http://schemas.microsoft.com/office/drawing/2014/main" xmlns="" id="{C27109A9-8D84-486A-AD51-B63C3C6BDB5C}"/>
+                <a16:creationId xmlns="" xmlns:a16="http://schemas.microsoft.com/office/drawing/2014/main" id="{C27109A9-8D84-486A-AD51-B63C3C6BDB5C}"/>
               </a:ext>
             </a:extLst>
           </p:cNvPr>
@@ -8417,7 +8417,7 @@
           <p:cNvPr id="4" name="Content Placeholder 3">
             <a:extLst>
               <a:ext uri="{FF2B5EF4-FFF2-40B4-BE49-F238E27FC236}">
-                <a16:creationId xmlns:a16="http://schemas.microsoft.com/office/drawing/2014/main" xmlns="" id="{0111AAB1-A7D6-48C6-B93D-2BF15034E452}"/>
+                <a16:creationId xmlns="" xmlns:a16="http://schemas.microsoft.com/office/drawing/2014/main" id="{0111AAB1-A7D6-48C6-B93D-2BF15034E452}"/>
               </a:ext>
             </a:extLst>
           </p:cNvPr>
@@ -8442,56 +8442,56 @@
                 <a:gridCol w="369962">
                   <a:extLst>
                     <a:ext uri="{9D8B030D-6E8A-4147-A177-3AD203B41FA5}">
-                      <a16:colId xmlns:a16="http://schemas.microsoft.com/office/drawing/2014/main" xmlns="" val="3571866511"/>
+                      <a16:colId xmlns="" xmlns:a16="http://schemas.microsoft.com/office/drawing/2014/main" val="3571866511"/>
                     </a:ext>
                   </a:extLst>
                 </a:gridCol>
                 <a:gridCol w="2799501">
                   <a:extLst>
                     <a:ext uri="{9D8B030D-6E8A-4147-A177-3AD203B41FA5}">
-                      <a16:colId xmlns:a16="http://schemas.microsoft.com/office/drawing/2014/main" xmlns="" val="1421687479"/>
+                      <a16:colId xmlns="" xmlns:a16="http://schemas.microsoft.com/office/drawing/2014/main" val="1421687479"/>
                     </a:ext>
                   </a:extLst>
                 </a:gridCol>
                 <a:gridCol w="2564445">
                   <a:extLst>
                     <a:ext uri="{9D8B030D-6E8A-4147-A177-3AD203B41FA5}">
-                      <a16:colId xmlns:a16="http://schemas.microsoft.com/office/drawing/2014/main" xmlns="" val="3899242390"/>
+                      <a16:colId xmlns="" xmlns:a16="http://schemas.microsoft.com/office/drawing/2014/main" val="3899242390"/>
                     </a:ext>
                   </a:extLst>
                 </a:gridCol>
                 <a:gridCol w="185630">
                   <a:extLst>
                     <a:ext uri="{9D8B030D-6E8A-4147-A177-3AD203B41FA5}">
-                      <a16:colId xmlns:a16="http://schemas.microsoft.com/office/drawing/2014/main" xmlns="" val="2048303212"/>
+                      <a16:colId xmlns="" xmlns:a16="http://schemas.microsoft.com/office/drawing/2014/main" val="2048303212"/>
                     </a:ext>
                   </a:extLst>
                 </a:gridCol>
                 <a:gridCol w="295633">
                   <a:extLst>
                     <a:ext uri="{9D8B030D-6E8A-4147-A177-3AD203B41FA5}">
-                      <a16:colId xmlns:a16="http://schemas.microsoft.com/office/drawing/2014/main" xmlns="" val="746535854"/>
+                      <a16:colId xmlns="" xmlns:a16="http://schemas.microsoft.com/office/drawing/2014/main" val="746535854"/>
                     </a:ext>
                   </a:extLst>
                 </a:gridCol>
                 <a:gridCol w="93980">
                   <a:extLst>
                     <a:ext uri="{9D8B030D-6E8A-4147-A177-3AD203B41FA5}">
-                      <a16:colId xmlns:a16="http://schemas.microsoft.com/office/drawing/2014/main" xmlns="" val="1517551828"/>
+                      <a16:colId xmlns="" xmlns:a16="http://schemas.microsoft.com/office/drawing/2014/main" val="1517551828"/>
                     </a:ext>
                   </a:extLst>
                 </a:gridCol>
                 <a:gridCol w="284155">
                   <a:extLst>
                     <a:ext uri="{9D8B030D-6E8A-4147-A177-3AD203B41FA5}">
-                      <a16:colId xmlns:a16="http://schemas.microsoft.com/office/drawing/2014/main" xmlns="" val="1975296765"/>
+                      <a16:colId xmlns="" xmlns:a16="http://schemas.microsoft.com/office/drawing/2014/main" val="1975296765"/>
                     </a:ext>
                   </a:extLst>
                 </a:gridCol>
                 <a:gridCol w="3730954">
                   <a:extLst>
                     <a:ext uri="{9D8B030D-6E8A-4147-A177-3AD203B41FA5}">
-                      <a16:colId xmlns:a16="http://schemas.microsoft.com/office/drawing/2014/main" xmlns="" val="1563690532"/>
+                      <a16:colId xmlns="" xmlns:a16="http://schemas.microsoft.com/office/drawing/2014/main" val="1563690532"/>
                     </a:ext>
                   </a:extLst>
                 </a:gridCol>
@@ -8761,7 +8761,7 @@
                 </a:tc>
                 <a:extLst>
                   <a:ext uri="{0D108BD9-81ED-4DB2-BD59-A6C34878D82A}">
-                    <a16:rowId xmlns:a16="http://schemas.microsoft.com/office/drawing/2014/main" xmlns="" val="2790610759"/>
+                    <a16:rowId xmlns="" xmlns:a16="http://schemas.microsoft.com/office/drawing/2014/main" val="2790610759"/>
                   </a:ext>
                 </a:extLst>
               </a:tr>
@@ -8854,7 +8854,7 @@
                 </a:tc>
                 <a:extLst>
                   <a:ext uri="{0D108BD9-81ED-4DB2-BD59-A6C34878D82A}">
-                    <a16:rowId xmlns:a16="http://schemas.microsoft.com/office/drawing/2014/main" xmlns="" val="2643930646"/>
+                    <a16:rowId xmlns="" xmlns:a16="http://schemas.microsoft.com/office/drawing/2014/main" val="2643930646"/>
                   </a:ext>
                 </a:extLst>
               </a:tr>
@@ -9068,7 +9068,7 @@
                 </a:tc>
                 <a:extLst>
                   <a:ext uri="{0D108BD9-81ED-4DB2-BD59-A6C34878D82A}">
-                    <a16:rowId xmlns:a16="http://schemas.microsoft.com/office/drawing/2014/main" xmlns="" val="3304438575"/>
+                    <a16:rowId xmlns="" xmlns:a16="http://schemas.microsoft.com/office/drawing/2014/main" val="3304438575"/>
                   </a:ext>
                 </a:extLst>
               </a:tr>
@@ -9294,7 +9294,7 @@
                 </a:tc>
                 <a:extLst>
                   <a:ext uri="{0D108BD9-81ED-4DB2-BD59-A6C34878D82A}">
-                    <a16:rowId xmlns:a16="http://schemas.microsoft.com/office/drawing/2014/main" xmlns="" val="1091830123"/>
+                    <a16:rowId xmlns="" xmlns:a16="http://schemas.microsoft.com/office/drawing/2014/main" val="1091830123"/>
                   </a:ext>
                 </a:extLst>
               </a:tr>
@@ -9508,7 +9508,7 @@
                 </a:tc>
                 <a:extLst>
                   <a:ext uri="{0D108BD9-81ED-4DB2-BD59-A6C34878D82A}">
-                    <a16:rowId xmlns:a16="http://schemas.microsoft.com/office/drawing/2014/main" xmlns="" val="195937988"/>
+                    <a16:rowId xmlns="" xmlns:a16="http://schemas.microsoft.com/office/drawing/2014/main" val="195937988"/>
                   </a:ext>
                 </a:extLst>
               </a:tr>
@@ -9601,7 +9601,7 @@
                 </a:tc>
                 <a:extLst>
                   <a:ext uri="{0D108BD9-81ED-4DB2-BD59-A6C34878D82A}">
-                    <a16:rowId xmlns:a16="http://schemas.microsoft.com/office/drawing/2014/main" xmlns="" val="4166280157"/>
+                    <a16:rowId xmlns="" xmlns:a16="http://schemas.microsoft.com/office/drawing/2014/main" val="4166280157"/>
                   </a:ext>
                 </a:extLst>
               </a:tr>
@@ -9840,7 +9840,7 @@
                 </a:tc>
                 <a:extLst>
                   <a:ext uri="{0D108BD9-81ED-4DB2-BD59-A6C34878D82A}">
-                    <a16:rowId xmlns:a16="http://schemas.microsoft.com/office/drawing/2014/main" xmlns="" val="1405325198"/>
+                    <a16:rowId xmlns="" xmlns:a16="http://schemas.microsoft.com/office/drawing/2014/main" val="1405325198"/>
                   </a:ext>
                 </a:extLst>
               </a:tr>
@@ -10079,7 +10079,7 @@
                 </a:tc>
                 <a:extLst>
                   <a:ext uri="{0D108BD9-81ED-4DB2-BD59-A6C34878D82A}">
-                    <a16:rowId xmlns:a16="http://schemas.microsoft.com/office/drawing/2014/main" xmlns="" val="2816664006"/>
+                    <a16:rowId xmlns="" xmlns:a16="http://schemas.microsoft.com/office/drawing/2014/main" val="2816664006"/>
                   </a:ext>
                 </a:extLst>
               </a:tr>
@@ -10172,7 +10172,7 @@
                 </a:tc>
                 <a:extLst>
                   <a:ext uri="{0D108BD9-81ED-4DB2-BD59-A6C34878D82A}">
-                    <a16:rowId xmlns:a16="http://schemas.microsoft.com/office/drawing/2014/main" xmlns="" val="3466216339"/>
+                    <a16:rowId xmlns="" xmlns:a16="http://schemas.microsoft.com/office/drawing/2014/main" val="3466216339"/>
                   </a:ext>
                 </a:extLst>
               </a:tr>
@@ -10411,7 +10411,7 @@
                 </a:tc>
                 <a:extLst>
                   <a:ext uri="{0D108BD9-81ED-4DB2-BD59-A6C34878D82A}">
-                    <a16:rowId xmlns:a16="http://schemas.microsoft.com/office/drawing/2014/main" xmlns="" val="3192613793"/>
+                    <a16:rowId xmlns="" xmlns:a16="http://schemas.microsoft.com/office/drawing/2014/main" val="3192613793"/>
                   </a:ext>
                 </a:extLst>
               </a:tr>
@@ -10650,7 +10650,7 @@
                 </a:tc>
                 <a:extLst>
                   <a:ext uri="{0D108BD9-81ED-4DB2-BD59-A6C34878D82A}">
-                    <a16:rowId xmlns:a16="http://schemas.microsoft.com/office/drawing/2014/main" xmlns="" val="1937383606"/>
+                    <a16:rowId xmlns="" xmlns:a16="http://schemas.microsoft.com/office/drawing/2014/main" val="1937383606"/>
                   </a:ext>
                 </a:extLst>
               </a:tr>
@@ -10889,7 +10889,7 @@
                 </a:tc>
                 <a:extLst>
                   <a:ext uri="{0D108BD9-81ED-4DB2-BD59-A6C34878D82A}">
-                    <a16:rowId xmlns:a16="http://schemas.microsoft.com/office/drawing/2014/main" xmlns="" val="3994458559"/>
+                    <a16:rowId xmlns="" xmlns:a16="http://schemas.microsoft.com/office/drawing/2014/main" val="3994458559"/>
                   </a:ext>
                 </a:extLst>
               </a:tr>
@@ -10962,7 +10962,7 @@
           <p:cNvPr id="5" name="Content Placeholder 4">
             <a:extLst>
               <a:ext uri="{FF2B5EF4-FFF2-40B4-BE49-F238E27FC236}">
-                <a16:creationId xmlns:a16="http://schemas.microsoft.com/office/drawing/2014/main" xmlns="" id="{6BEF5C33-2C1C-4462-BF56-BF3F99F3356F}"/>
+                <a16:creationId xmlns="" xmlns:a16="http://schemas.microsoft.com/office/drawing/2014/main" id="{6BEF5C33-2C1C-4462-BF56-BF3F99F3356F}"/>
               </a:ext>
             </a:extLst>
           </p:cNvPr>
@@ -11217,14 +11217,14 @@
                 <a:gridCol w="5216968">
                   <a:extLst>
                     <a:ext uri="{9D8B030D-6E8A-4147-A177-3AD203B41FA5}">
-                      <a16:colId xmlns:a16="http://schemas.microsoft.com/office/drawing/2014/main" xmlns="" val="20000"/>
+                      <a16:colId xmlns="" xmlns:a16="http://schemas.microsoft.com/office/drawing/2014/main" val="20000"/>
                     </a:ext>
                   </a:extLst>
                 </a:gridCol>
                 <a:gridCol w="5216968">
                   <a:extLst>
                     <a:ext uri="{9D8B030D-6E8A-4147-A177-3AD203B41FA5}">
-                      <a16:colId xmlns:a16="http://schemas.microsoft.com/office/drawing/2014/main" xmlns="" val="20001"/>
+                      <a16:colId xmlns="" xmlns:a16="http://schemas.microsoft.com/office/drawing/2014/main" val="20001"/>
                     </a:ext>
                   </a:extLst>
                 </a:gridCol>
@@ -11302,7 +11302,7 @@
                 </a:tc>
                 <a:extLst>
                   <a:ext uri="{0D108BD9-81ED-4DB2-BD59-A6C34878D82A}">
-                    <a16:rowId xmlns:a16="http://schemas.microsoft.com/office/drawing/2014/main" xmlns="" val="10000"/>
+                    <a16:rowId xmlns="" xmlns:a16="http://schemas.microsoft.com/office/drawing/2014/main" val="10000"/>
                   </a:ext>
                 </a:extLst>
               </a:tr>
@@ -11422,7 +11422,7 @@
                 </a:tc>
                 <a:extLst>
                   <a:ext uri="{0D108BD9-81ED-4DB2-BD59-A6C34878D82A}">
-                    <a16:rowId xmlns:a16="http://schemas.microsoft.com/office/drawing/2014/main" xmlns="" val="10001"/>
+                    <a16:rowId xmlns="" xmlns:a16="http://schemas.microsoft.com/office/drawing/2014/main" val="10001"/>
                   </a:ext>
                 </a:extLst>
               </a:tr>
@@ -11632,14 +11632,14 @@
                 <a:gridCol w="3316957">
                   <a:extLst>
                     <a:ext uri="{9D8B030D-6E8A-4147-A177-3AD203B41FA5}">
-                      <a16:colId xmlns:a16="http://schemas.microsoft.com/office/drawing/2014/main" xmlns="" val="20000"/>
+                      <a16:colId xmlns="" xmlns:a16="http://schemas.microsoft.com/office/drawing/2014/main" val="20000"/>
                     </a:ext>
                   </a:extLst>
                 </a:gridCol>
                 <a:gridCol w="7116979">
                   <a:extLst>
                     <a:ext uri="{9D8B030D-6E8A-4147-A177-3AD203B41FA5}">
-                      <a16:colId xmlns:a16="http://schemas.microsoft.com/office/drawing/2014/main" xmlns="" val="20001"/>
+                      <a16:colId xmlns="" xmlns:a16="http://schemas.microsoft.com/office/drawing/2014/main" val="20001"/>
                     </a:ext>
                   </a:extLst>
                 </a:gridCol>
@@ -11717,7 +11717,7 @@
                 </a:tc>
                 <a:extLst>
                   <a:ext uri="{0D108BD9-81ED-4DB2-BD59-A6C34878D82A}">
-                    <a16:rowId xmlns:a16="http://schemas.microsoft.com/office/drawing/2014/main" xmlns="" val="10000"/>
+                    <a16:rowId xmlns="" xmlns:a16="http://schemas.microsoft.com/office/drawing/2014/main" val="10000"/>
                   </a:ext>
                 </a:extLst>
               </a:tr>
@@ -11830,7 +11830,7 @@
                 </a:tc>
                 <a:extLst>
                   <a:ext uri="{0D108BD9-81ED-4DB2-BD59-A6C34878D82A}">
-                    <a16:rowId xmlns:a16="http://schemas.microsoft.com/office/drawing/2014/main" xmlns="" val="10001"/>
+                    <a16:rowId xmlns="" xmlns:a16="http://schemas.microsoft.com/office/drawing/2014/main" val="10001"/>
                   </a:ext>
                 </a:extLst>
               </a:tr>

--- a/Online Car Rental System presentation v2.pptx
+++ b/Online Car Rental System presentation v2.pptx
@@ -19,13 +19,14 @@
     <p:sldId id="267" r:id="rId13"/>
     <p:sldId id="269" r:id="rId14"/>
     <p:sldId id="272" r:id="rId15"/>
-    <p:sldId id="273" r:id="rId16"/>
-    <p:sldId id="275" r:id="rId17"/>
-    <p:sldId id="276" r:id="rId18"/>
-    <p:sldId id="274" r:id="rId19"/>
-    <p:sldId id="277" r:id="rId20"/>
-    <p:sldId id="278" r:id="rId21"/>
-    <p:sldId id="279" r:id="rId22"/>
+    <p:sldId id="280" r:id="rId16"/>
+    <p:sldId id="273" r:id="rId17"/>
+    <p:sldId id="275" r:id="rId18"/>
+    <p:sldId id="276" r:id="rId19"/>
+    <p:sldId id="274" r:id="rId20"/>
+    <p:sldId id="277" r:id="rId21"/>
+    <p:sldId id="278" r:id="rId22"/>
+    <p:sldId id="279" r:id="rId23"/>
   </p:sldIdLst>
   <p:sldSz cx="12192000" cy="6858000"/>
   <p:notesSz cx="6858000" cy="9144000"/>
@@ -6004,6 +6005,90 @@
       </p:grpSpPr>
       <p:sp>
         <p:nvSpPr>
+          <p:cNvPr id="2" name="Title 1"/>
+          <p:cNvSpPr>
+            <a:spLocks noGrp="1"/>
+          </p:cNvSpPr>
+          <p:nvPr>
+            <p:ph type="title"/>
+          </p:nvPr>
+        </p:nvSpPr>
+        <p:spPr/>
+        <p:txBody>
+          <a:bodyPr/>
+          <a:lstStyle/>
+          <a:p>
+            <a:r>
+              <a:rPr lang="en-US" dirty="0"/>
+              <a:t>Online Car Rental picture</a:t>
+            </a:r>
+          </a:p>
+        </p:txBody>
+      </p:sp>
+      <p:pic>
+        <p:nvPicPr>
+          <p:cNvPr id="4" name="Content Placeholder 4" descr="A picture containing text&#10;&#10;Description automatically generated">
+            <a:extLst>
+              <a:ext uri="{FF2B5EF4-FFF2-40B4-BE49-F238E27FC236}">
+                <a16:creationId xmlns="" xmlns:a16="http://schemas.microsoft.com/office/drawing/2014/main" xmlns:lc="http://schemas.openxmlformats.org/drawingml/2006/lockedCanvas" id="{5DB598C5-E6F3-41A4-9C5A-FBAE141317ED}"/>
+              </a:ext>
+            </a:extLst>
+          </p:cNvPr>
+          <p:cNvPicPr>
+            <a:picLocks noGrp="1" noChangeAspect="1"/>
+          </p:cNvPicPr>
+          <p:nvPr>
+            <p:ph idx="1"/>
+          </p:nvPr>
+        </p:nvPicPr>
+        <p:blipFill>
+          <a:blip r:embed="rId2"/>
+          <a:stretch>
+            <a:fillRect/>
+          </a:stretch>
+        </p:blipFill>
+        <p:spPr>
+          <a:xfrm>
+            <a:off x="926593" y="2120900"/>
+            <a:ext cx="8773738" cy="4051300"/>
+          </a:xfrm>
+          <a:prstGeom prst="rect">
+            <a:avLst/>
+          </a:prstGeom>
+        </p:spPr>
+      </p:pic>
+    </p:spTree>
+    <p:extLst>
+      <p:ext uri="{BB962C8B-B14F-4D97-AF65-F5344CB8AC3E}">
+        <p14:creationId xmlns:p14="http://schemas.microsoft.com/office/powerpoint/2010/main" val="2872146583"/>
+      </p:ext>
+    </p:extLst>
+  </p:cSld>
+  <p:clrMapOvr>
+    <a:masterClrMapping/>
+  </p:clrMapOvr>
+</p:sld>
+</file>
+
+<file path=ppt/slides/slide16.xml><?xml version="1.0" encoding="utf-8"?>
+<p:sld xmlns:a="http://schemas.openxmlformats.org/drawingml/2006/main" xmlns:r="http://schemas.openxmlformats.org/officeDocument/2006/relationships" xmlns:p="http://schemas.openxmlformats.org/presentationml/2006/main">
+  <p:cSld>
+    <p:spTree>
+      <p:nvGrpSpPr>
+        <p:cNvPr id="1" name=""/>
+        <p:cNvGrpSpPr/>
+        <p:nvPr/>
+      </p:nvGrpSpPr>
+      <p:grpSpPr>
+        <a:xfrm>
+          <a:off x="0" y="0"/>
+          <a:ext cx="0" cy="0"/>
+          <a:chOff x="0" y="0"/>
+          <a:chExt cx="0" cy="0"/>
+        </a:xfrm>
+      </p:grpSpPr>
+      <p:sp>
+        <p:nvSpPr>
           <p:cNvPr id="2" name="Title 1">
             <a:extLst>
               <a:ext uri="{FF2B5EF4-FFF2-40B4-BE49-F238E27FC236}">
@@ -6095,7 +6180,7 @@
 </p:sld>
 </file>
 
-<file path=ppt/slides/slide16.xml><?xml version="1.0" encoding="utf-8"?>
+<file path=ppt/slides/slide17.xml><?xml version="1.0" encoding="utf-8"?>
 <p:sld xmlns:a="http://schemas.openxmlformats.org/drawingml/2006/main" xmlns:r="http://schemas.openxmlformats.org/officeDocument/2006/relationships" xmlns:p="http://schemas.openxmlformats.org/presentationml/2006/main">
   <p:cSld>
     <p:spTree>
@@ -6197,7 +6282,7 @@
 </p:sld>
 </file>
 
-<file path=ppt/slides/slide17.xml><?xml version="1.0" encoding="utf-8"?>
+<file path=ppt/slides/slide18.xml><?xml version="1.0" encoding="utf-8"?>
 <p:sld xmlns:a="http://schemas.openxmlformats.org/drawingml/2006/main" xmlns:r="http://schemas.openxmlformats.org/officeDocument/2006/relationships" xmlns:p="http://schemas.openxmlformats.org/presentationml/2006/main">
   <p:cSld>
     <p:spTree>
@@ -6299,7 +6384,7 @@
 </p:sld>
 </file>
 
-<file path=ppt/slides/slide18.xml><?xml version="1.0" encoding="utf-8"?>
+<file path=ppt/slides/slide19.xml><?xml version="1.0" encoding="utf-8"?>
 <p:sld xmlns:a="http://schemas.openxmlformats.org/drawingml/2006/main" xmlns:r="http://schemas.openxmlformats.org/officeDocument/2006/relationships" xmlns:p="http://schemas.openxmlformats.org/presentationml/2006/main">
   <p:cSld>
     <p:spTree>
@@ -6392,99 +6477,6 @@
     <p:extLst>
       <p:ext uri="{BB962C8B-B14F-4D97-AF65-F5344CB8AC3E}">
         <p14:creationId xmlns:p14="http://schemas.microsoft.com/office/powerpoint/2010/main" val="771449313"/>
-      </p:ext>
-    </p:extLst>
-  </p:cSld>
-  <p:clrMapOvr>
-    <a:masterClrMapping/>
-  </p:clrMapOvr>
-</p:sld>
-</file>
-
-<file path=ppt/slides/slide19.xml><?xml version="1.0" encoding="utf-8"?>
-<p:sld xmlns:a="http://schemas.openxmlformats.org/drawingml/2006/main" xmlns:r="http://schemas.openxmlformats.org/officeDocument/2006/relationships" xmlns:p="http://schemas.openxmlformats.org/presentationml/2006/main">
-  <p:cSld>
-    <p:spTree>
-      <p:nvGrpSpPr>
-        <p:cNvPr id="1" name=""/>
-        <p:cNvGrpSpPr/>
-        <p:nvPr/>
-      </p:nvGrpSpPr>
-      <p:grpSpPr>
-        <a:xfrm>
-          <a:off x="0" y="0"/>
-          <a:ext cx="0" cy="0"/>
-          <a:chOff x="0" y="0"/>
-          <a:chExt cx="0" cy="0"/>
-        </a:xfrm>
-      </p:grpSpPr>
-      <p:sp>
-        <p:nvSpPr>
-          <p:cNvPr id="2" name="Title 1"/>
-          <p:cNvSpPr>
-            <a:spLocks noGrp="1"/>
-          </p:cNvSpPr>
-          <p:nvPr>
-            <p:ph type="title"/>
-          </p:nvPr>
-        </p:nvSpPr>
-        <p:spPr>
-          <a:xfrm>
-            <a:off x="1069848" y="484632"/>
-            <a:ext cx="10058400" cy="734568"/>
-          </a:xfrm>
-        </p:spPr>
-        <p:txBody>
-          <a:bodyPr>
-            <a:normAutofit/>
-          </a:bodyPr>
-          <a:lstStyle/>
-          <a:p>
-            <a:r>
-              <a:rPr lang="en-US" sz="2800" dirty="0" smtClean="0"/>
-              <a:t>Collaboration Diagram  - </a:t>
-            </a:r>
-            <a:r>
-              <a:rPr lang="en-US" sz="2800" dirty="0" err="1" smtClean="0"/>
-              <a:t>addCar</a:t>
-            </a:r>
-            <a:endParaRPr lang="en-US" sz="2800" dirty="0"/>
-          </a:p>
-        </p:txBody>
-      </p:sp>
-      <p:pic>
-        <p:nvPicPr>
-          <p:cNvPr id="4" name="Content Placeholder 3"/>
-          <p:cNvPicPr>
-            <a:picLocks noGrp="1" noChangeAspect="1"/>
-          </p:cNvPicPr>
-          <p:nvPr>
-            <p:ph idx="1"/>
-          </p:nvPr>
-        </p:nvPicPr>
-        <p:blipFill>
-          <a:blip r:embed="rId2">
-            <a:extLst>
-              <a:ext uri="{28A0092B-C50C-407E-A947-70E740481C1C}">
-                <a14:useLocalDpi xmlns:a14="http://schemas.microsoft.com/office/drawing/2010/main" val="0"/>
-              </a:ext>
-            </a:extLst>
-          </a:blip>
-          <a:stretch>
-            <a:fillRect/>
-          </a:stretch>
-        </p:blipFill>
-        <p:spPr>
-          <a:xfrm>
-            <a:off x="1171130" y="1396682"/>
-            <a:ext cx="7515225" cy="4138486"/>
-          </a:xfrm>
-        </p:spPr>
-      </p:pic>
-    </p:spTree>
-    <p:extLst>
-      <p:ext uri="{BB962C8B-B14F-4D97-AF65-F5344CB8AC3E}">
-        <p14:creationId xmlns:p14="http://schemas.microsoft.com/office/powerpoint/2010/main" val="1922304377"/>
       </p:ext>
     </p:extLst>
   </p:cSld>
@@ -6688,6 +6680,99 @@
             <p:ph type="title"/>
           </p:nvPr>
         </p:nvSpPr>
+        <p:spPr>
+          <a:xfrm>
+            <a:off x="1069848" y="484632"/>
+            <a:ext cx="10058400" cy="734568"/>
+          </a:xfrm>
+        </p:spPr>
+        <p:txBody>
+          <a:bodyPr>
+            <a:normAutofit/>
+          </a:bodyPr>
+          <a:lstStyle/>
+          <a:p>
+            <a:r>
+              <a:rPr lang="en-US" sz="2800" dirty="0" smtClean="0"/>
+              <a:t>Collaboration Diagram  - </a:t>
+            </a:r>
+            <a:r>
+              <a:rPr lang="en-US" sz="2800" dirty="0" err="1" smtClean="0"/>
+              <a:t>addCar</a:t>
+            </a:r>
+            <a:endParaRPr lang="en-US" sz="2800" dirty="0"/>
+          </a:p>
+        </p:txBody>
+      </p:sp>
+      <p:pic>
+        <p:nvPicPr>
+          <p:cNvPr id="4" name="Content Placeholder 3"/>
+          <p:cNvPicPr>
+            <a:picLocks noGrp="1" noChangeAspect="1"/>
+          </p:cNvPicPr>
+          <p:nvPr>
+            <p:ph idx="1"/>
+          </p:nvPr>
+        </p:nvPicPr>
+        <p:blipFill>
+          <a:blip r:embed="rId2">
+            <a:extLst>
+              <a:ext uri="{28A0092B-C50C-407E-A947-70E740481C1C}">
+                <a14:useLocalDpi xmlns:a14="http://schemas.microsoft.com/office/drawing/2010/main" val="0"/>
+              </a:ext>
+            </a:extLst>
+          </a:blip>
+          <a:stretch>
+            <a:fillRect/>
+          </a:stretch>
+        </p:blipFill>
+        <p:spPr>
+          <a:xfrm>
+            <a:off x="1171130" y="1396682"/>
+            <a:ext cx="7515225" cy="4138486"/>
+          </a:xfrm>
+        </p:spPr>
+      </p:pic>
+    </p:spTree>
+    <p:extLst>
+      <p:ext uri="{BB962C8B-B14F-4D97-AF65-F5344CB8AC3E}">
+        <p14:creationId xmlns:p14="http://schemas.microsoft.com/office/powerpoint/2010/main" val="1922304377"/>
+      </p:ext>
+    </p:extLst>
+  </p:cSld>
+  <p:clrMapOvr>
+    <a:masterClrMapping/>
+  </p:clrMapOvr>
+</p:sld>
+</file>
+
+<file path=ppt/slides/slide21.xml><?xml version="1.0" encoding="utf-8"?>
+<p:sld xmlns:a="http://schemas.openxmlformats.org/drawingml/2006/main" xmlns:r="http://schemas.openxmlformats.org/officeDocument/2006/relationships" xmlns:p="http://schemas.openxmlformats.org/presentationml/2006/main">
+  <p:cSld>
+    <p:spTree>
+      <p:nvGrpSpPr>
+        <p:cNvPr id="1" name=""/>
+        <p:cNvGrpSpPr/>
+        <p:nvPr/>
+      </p:nvGrpSpPr>
+      <p:grpSpPr>
+        <a:xfrm>
+          <a:off x="0" y="0"/>
+          <a:ext cx="0" cy="0"/>
+          <a:chOff x="0" y="0"/>
+          <a:chExt cx="0" cy="0"/>
+        </a:xfrm>
+      </p:grpSpPr>
+      <p:sp>
+        <p:nvSpPr>
+          <p:cNvPr id="2" name="Title 1"/>
+          <p:cNvSpPr>
+            <a:spLocks noGrp="1"/>
+          </p:cNvSpPr>
+          <p:nvPr>
+            <p:ph type="title"/>
+          </p:nvPr>
+        </p:nvSpPr>
         <p:spPr/>
         <p:txBody>
           <a:bodyPr/>
@@ -6739,7 +6824,7 @@
 </p:sld>
 </file>
 
-<file path=ppt/slides/slide21.xml><?xml version="1.0" encoding="utf-8"?>
+<file path=ppt/slides/slide22.xml><?xml version="1.0" encoding="utf-8"?>
 <p:sld xmlns:a="http://schemas.openxmlformats.org/drawingml/2006/main" xmlns:r="http://schemas.openxmlformats.org/officeDocument/2006/relationships" xmlns:p="http://schemas.openxmlformats.org/presentationml/2006/main">
   <p:cSld>
     <p:spTree>
